--- a/Presentation/Certificate-Manager-Project.pptx
+++ b/Presentation/Certificate-Manager-Project.pptx
@@ -11,29 +11,29 @@
     <p:sldId id="256" r:id="rId2"/>
     <p:sldId id="257" r:id="rId3"/>
     <p:sldId id="258" r:id="rId4"/>
-    <p:sldId id="266" r:id="rId5"/>
-    <p:sldId id="259" r:id="rId6"/>
-    <p:sldId id="260" r:id="rId7"/>
-    <p:sldId id="261" r:id="rId8"/>
-    <p:sldId id="262" r:id="rId9"/>
-    <p:sldId id="263" r:id="rId10"/>
-    <p:sldId id="264" r:id="rId11"/>
+    <p:sldId id="259" r:id="rId5"/>
+    <p:sldId id="260" r:id="rId6"/>
+    <p:sldId id="261" r:id="rId7"/>
+    <p:sldId id="262" r:id="rId8"/>
+    <p:sldId id="263" r:id="rId9"/>
+    <p:sldId id="264" r:id="rId10"/>
+    <p:sldId id="265" r:id="rId11"/>
   </p:sldIdLst>
   <p:sldSz cx="14630400" cy="8229600"/>
   <p:notesSz cx="8229600" cy="14630400"/>
   <p:embeddedFontLst>
     <p:embeddedFont>
-      <p:font typeface="Instrument Sans Medium" pitchFamily="2" charset="0"/>
+      <p:font typeface="Instrument Sans Medium" panose="020B0604020202020204" charset="0"/>
       <p:regular r:id="rId13"/>
     </p:embeddedFont>
     <p:embeddedFont>
-      <p:font typeface="Inter" panose="02000503000000020004" pitchFamily="2" charset="0"/>
+      <p:font typeface="Inter" panose="020B0604020202020204" charset="0"/>
       <p:regular r:id="rId14"/>
     </p:embeddedFont>
   </p:embeddedFontLst>
   <p:defaultTextStyle>
     <a:defPPr>
-      <a:defRPr lang="en-PS"/>
+      <a:defRPr lang="en-US"/>
     </a:defPPr>
     <a:lvl1pPr marL="0" algn="l" defTabSz="914400" rtl="0" eaLnBrk="1" latinLnBrk="0" hangingPunct="1">
       <a:defRPr sz="1800" kern="1200">
@@ -159,7 +159,7 @@
     </p:spTree>
     <p:extLst>
       <p:ext uri="{BB962C8B-B14F-4D97-AF65-F5344CB8AC3E}">
-        <p14:creationId xmlns:p14="http://schemas.microsoft.com/office/powerpoint/2010/main" val="3196293459"/>
+        <p14:creationId xmlns:p14="http://schemas.microsoft.com/office/powerpoint/2010/main" val="1694589242"/>
       </p:ext>
     </p:extLst>
   </p:cSld>
@@ -600,13 +600,7 @@
   <p:cSld>
     <p:spTree>
       <p:nvGrpSpPr>
-        <p:cNvPr id="1" name="">
-          <a:extLst>
-            <a:ext uri="{FF2B5EF4-FFF2-40B4-BE49-F238E27FC236}">
-              <a16:creationId xmlns:a16="http://schemas.microsoft.com/office/drawing/2014/main" id="{ACE2BC60-FC1A-0A59-9A9B-9282178AE968}"/>
-            </a:ext>
-          </a:extLst>
-        </p:cNvPr>
+        <p:cNvPr id="1" name=""/>
         <p:cNvGrpSpPr/>
         <p:nvPr/>
       </p:nvGrpSpPr>
@@ -620,13 +614,7 @@
       </p:grpSpPr>
       <p:sp>
         <p:nvSpPr>
-          <p:cNvPr id="2" name="Slide Image Placeholder 1">
-            <a:extLst>
-              <a:ext uri="{FF2B5EF4-FFF2-40B4-BE49-F238E27FC236}">
-                <a16:creationId xmlns:a16="http://schemas.microsoft.com/office/drawing/2014/main" id="{21057D17-09FB-1104-619E-F9F530273B05}"/>
-              </a:ext>
-            </a:extLst>
-          </p:cNvPr>
+          <p:cNvPr id="2" name="Slide Image Placeholder 1"/>
           <p:cNvSpPr>
             <a:spLocks noGrp="1" noRot="1" noChangeAspect="1"/>
           </p:cNvSpPr>
@@ -638,13 +626,7 @@
       </p:sp>
       <p:sp>
         <p:nvSpPr>
-          <p:cNvPr id="3" name="Notes Placeholder 2">
-            <a:extLst>
-              <a:ext uri="{FF2B5EF4-FFF2-40B4-BE49-F238E27FC236}">
-                <a16:creationId xmlns:a16="http://schemas.microsoft.com/office/drawing/2014/main" id="{4950C3C5-ACE8-3D14-9332-7BD7635794D8}"/>
-              </a:ext>
-            </a:extLst>
-          </p:cNvPr>
+          <p:cNvPr id="3" name="Notes Placeholder 2"/>
           <p:cNvSpPr>
             <a:spLocks noGrp="1"/>
           </p:cNvSpPr>
@@ -663,13 +645,7 @@
       </p:sp>
       <p:sp>
         <p:nvSpPr>
-          <p:cNvPr id="4" name="Slide Number Placeholder 3">
-            <a:extLst>
-              <a:ext uri="{FF2B5EF4-FFF2-40B4-BE49-F238E27FC236}">
-                <a16:creationId xmlns:a16="http://schemas.microsoft.com/office/drawing/2014/main" id="{81073B2B-850B-5736-975C-00B099B2C006}"/>
-              </a:ext>
-            </a:extLst>
-          </p:cNvPr>
+          <p:cNvPr id="4" name="Slide Number Placeholder 3"/>
           <p:cNvSpPr>
             <a:spLocks noGrp="1"/>
           </p:cNvSpPr>
@@ -693,7 +669,7 @@
     </p:spTree>
     <p:extLst>
       <p:ext uri="{BB962C8B-B14F-4D97-AF65-F5344CB8AC3E}">
-        <p14:creationId xmlns:p14="http://schemas.microsoft.com/office/powerpoint/2010/main" val="2922591004"/>
+        <p14:creationId xmlns:p14="http://schemas.microsoft.com/office/powerpoint/2010/main" val="1024086991"/>
       </p:ext>
     </p:extLst>
   </p:cSld>
@@ -1213,7 +1189,106 @@
             <a:avLst/>
           </a:prstGeom>
           <a:solidFill>
-            <a:srgbClr val="242429"/>
+            <a:srgbClr val="FFFFFF"/>
+          </a:solidFill>
+          <a:ln/>
+        </p:spPr>
+      </p:sp>
+      <p:pic>
+        <p:nvPicPr>
+          <p:cNvPr id="4" name="Image 0" descr="preencoded.png">
+            <a:hlinkClick r:id="rId2"/>
+          </p:cNvPr>
+          <p:cNvPicPr>
+            <a:picLocks noChangeAspect="1"/>
+          </p:cNvPicPr>
+          <p:nvPr/>
+        </p:nvPicPr>
+        <p:blipFill>
+          <a:blip r:embed="rId3"/>
+          <a:stretch>
+            <a:fillRect/>
+          </a:stretch>
+        </p:blipFill>
+        <p:spPr>
+          <a:xfrm>
+            <a:off x="12839215" y="7749540"/>
+            <a:ext cx="1722605" cy="411480"/>
+          </a:xfrm>
+          <a:prstGeom prst="rect">
+            <a:avLst/>
+          </a:prstGeom>
+        </p:spPr>
+      </p:pic>
+    </p:spTree>
+  </p:cSld>
+  <p:clrMapOvr>
+    <a:masterClrMapping/>
+  </p:clrMapOvr>
+</p:sldLayout>
+</file>
+
+<file path=ppt/slideLayouts/slideLayout11.xml><?xml version="1.0" encoding="utf-8"?>
+<p:sldLayout xmlns:a="http://schemas.openxmlformats.org/drawingml/2006/main" xmlns:r="http://schemas.openxmlformats.org/officeDocument/2006/relationships" xmlns:p="http://schemas.openxmlformats.org/presentationml/2006/main" preserve="1">
+  <p:cSld name="Slide 10 master">
+    <p:bg>
+      <p:bgPr>
+        <a:solidFill>
+          <a:srgbClr val="000000"/>
+        </a:solidFill>
+        <a:effectLst/>
+      </p:bgPr>
+    </p:bg>
+    <p:spTree>
+      <p:nvGrpSpPr>
+        <p:cNvPr id="1" name=""/>
+        <p:cNvGrpSpPr/>
+        <p:nvPr/>
+      </p:nvGrpSpPr>
+      <p:grpSpPr>
+        <a:xfrm>
+          <a:off x="0" y="0"/>
+          <a:ext cx="0" cy="0"/>
+          <a:chOff x="0" y="0"/>
+          <a:chExt cx="0" cy="0"/>
+        </a:xfrm>
+      </p:grpSpPr>
+      <p:sp>
+        <p:nvSpPr>
+          <p:cNvPr id="2" name="Shape 0"/>
+          <p:cNvSpPr/>
+          <p:nvPr/>
+        </p:nvSpPr>
+        <p:spPr>
+          <a:xfrm>
+            <a:off x="0" y="0"/>
+            <a:ext cx="14630400" cy="8229600"/>
+          </a:xfrm>
+          <a:prstGeom prst="rect">
+            <a:avLst/>
+          </a:prstGeom>
+          <a:solidFill>
+            <a:srgbClr val="181719"/>
+          </a:solidFill>
+          <a:ln/>
+        </p:spPr>
+      </p:sp>
+      <p:sp>
+        <p:nvSpPr>
+          <p:cNvPr id="3" name="Shape 1"/>
+          <p:cNvSpPr/>
+          <p:nvPr/>
+        </p:nvSpPr>
+        <p:spPr>
+          <a:xfrm>
+            <a:off x="0" y="0"/>
+            <a:ext cx="14630400" cy="8229600"/>
+          </a:xfrm>
+          <a:prstGeom prst="rect">
+            <a:avLst/>
+          </a:prstGeom>
+          <a:solidFill>
+            <a:srgbClr val="FFFFFF"/>
           </a:solidFill>
           <a:ln/>
         </p:spPr>
@@ -1312,7 +1387,7 @@
             <a:avLst/>
           </a:prstGeom>
           <a:solidFill>
-            <a:srgbClr val="242429"/>
+            <a:srgbClr val="FFFFFF"/>
           </a:solidFill>
           <a:ln/>
         </p:spPr>
@@ -1411,7 +1486,7 @@
             <a:avLst/>
           </a:prstGeom>
           <a:solidFill>
-            <a:srgbClr val="242429"/>
+            <a:srgbClr val="FFFFFF"/>
           </a:solidFill>
           <a:ln/>
         </p:spPr>
@@ -1510,7 +1585,7 @@
             <a:avLst/>
           </a:prstGeom>
           <a:solidFill>
-            <a:srgbClr val="242429"/>
+            <a:srgbClr val="FFFFFF"/>
           </a:solidFill>
           <a:ln/>
         </p:spPr>
@@ -1609,7 +1684,7 @@
             <a:avLst/>
           </a:prstGeom>
           <a:solidFill>
-            <a:srgbClr val="242429"/>
+            <a:srgbClr val="FFFFFF"/>
           </a:solidFill>
           <a:ln/>
         </p:spPr>
@@ -1708,7 +1783,7 @@
             <a:avLst/>
           </a:prstGeom>
           <a:solidFill>
-            <a:srgbClr val="242429"/>
+            <a:srgbClr val="FFFFFF"/>
           </a:solidFill>
           <a:ln/>
         </p:spPr>
@@ -1807,7 +1882,7 @@
             <a:avLst/>
           </a:prstGeom>
           <a:solidFill>
-            <a:srgbClr val="242429"/>
+            <a:srgbClr val="FFFFFF"/>
           </a:solidFill>
           <a:ln/>
         </p:spPr>
@@ -1906,7 +1981,7 @@
             <a:avLst/>
           </a:prstGeom>
           <a:solidFill>
-            <a:srgbClr val="242429"/>
+            <a:srgbClr val="FFFFFF"/>
           </a:solidFill>
           <a:ln/>
         </p:spPr>
@@ -2005,7 +2080,7 @@
             <a:avLst/>
           </a:prstGeom>
           <a:solidFill>
-            <a:srgbClr val="242429"/>
+            <a:srgbClr val="FFFFFF"/>
           </a:solidFill>
           <a:ln/>
         </p:spPr>
@@ -2080,6 +2155,7 @@
     <p:sldLayoutId id="2147483656" r:id="rId8"/>
     <p:sldLayoutId id="2147483657" r:id="rId9"/>
     <p:sldLayoutId id="2147483658" r:id="rId10"/>
+    <p:sldLayoutId id="2147483659" r:id="rId11"/>
   </p:sldLayoutIdLst>
   <p:hf sldNum="0" hdr="0" ftr="0" dt="0"/>
   <p:txStyles>
@@ -2430,7 +2506,7 @@
             <a:r>
               <a:rPr lang="en-US" sz="4450" dirty="0">
                 <a:solidFill>
-                  <a:srgbClr val="EFD5FA"/>
+                  <a:srgbClr val="5E208E"/>
                 </a:solidFill>
                 <a:latin typeface="Instrument Sans Medium" pitchFamily="34" charset="0"/>
                 <a:ea typeface="Instrument Sans Medium" pitchFamily="34" charset="-122"/>
@@ -2472,7 +2548,7 @@
             <a:r>
               <a:rPr lang="en-US" sz="1750" dirty="0">
                 <a:solidFill>
-                  <a:srgbClr val="C7CDD6"/>
+                  <a:srgbClr val="B05EF1"/>
                 </a:solidFill>
                 <a:latin typeface="Inter" pitchFamily="34" charset="0"/>
                 <a:ea typeface="Inter" pitchFamily="34" charset="-122"/>
@@ -2494,7 +2570,7 @@
 
 <file path=ppt/slides/slide10.xml><?xml version="1.0" encoding="utf-8"?>
 <p:sld xmlns:a="http://schemas.openxmlformats.org/drawingml/2006/main" xmlns:r="http://schemas.openxmlformats.org/officeDocument/2006/relationships" xmlns:p="http://schemas.openxmlformats.org/presentationml/2006/main">
-  <p:cSld name="Slide 9">
+  <p:cSld name="Slide 10">
     <p:spTree>
       <p:nvGrpSpPr>
         <p:cNvPr id="1" name=""/>
@@ -2517,7 +2593,7 @@
         </p:nvSpPr>
         <p:spPr>
           <a:xfrm>
-            <a:off x="793790" y="2790825"/>
+            <a:off x="793790" y="2403515"/>
             <a:ext cx="5670590" cy="708779"/>
           </a:xfrm>
           <a:prstGeom prst="rect">
@@ -2539,7 +2615,7 @@
             <a:r>
               <a:rPr lang="en-US" sz="4450" dirty="0">
                 <a:solidFill>
-                  <a:srgbClr val="EFD5FA"/>
+                  <a:srgbClr val="5E208E"/>
                 </a:solidFill>
                 <a:latin typeface="Instrument Sans Medium" pitchFamily="34" charset="0"/>
                 <a:ea typeface="Instrument Sans Medium" pitchFamily="34" charset="-122"/>
@@ -2559,7 +2635,7 @@
         </p:nvSpPr>
         <p:spPr>
           <a:xfrm>
-            <a:off x="793790" y="3839766"/>
+            <a:off x="793790" y="3452455"/>
             <a:ext cx="13042821" cy="362903"/>
           </a:xfrm>
           <a:prstGeom prst="rect">
@@ -2581,7 +2657,7 @@
             <a:r>
               <a:rPr lang="en-US" sz="1750" dirty="0">
                 <a:solidFill>
-                  <a:srgbClr val="C7CDD6"/>
+                  <a:srgbClr val="B05EF1"/>
                 </a:solidFill>
                 <a:latin typeface="Inter" pitchFamily="34" charset="0"/>
                 <a:ea typeface="Inter" pitchFamily="34" charset="-122"/>
@@ -2601,7 +2677,7 @@
         </p:nvSpPr>
         <p:spPr>
           <a:xfrm>
-            <a:off x="793790" y="4457819"/>
+            <a:off x="793790" y="4070509"/>
             <a:ext cx="13042821" cy="362903"/>
           </a:xfrm>
           <a:prstGeom prst="rect">
@@ -2624,34 +2700,83 @@
           </a:p>
         </p:txBody>
       </p:sp>
-      <p:sp>
-        <p:nvSpPr>
-          <p:cNvPr id="5" name="Text 3"/>
-          <p:cNvSpPr/>
-          <p:nvPr/>
-        </p:nvSpPr>
-        <p:spPr>
-          <a:xfrm>
-            <a:off x="793790" y="5075873"/>
-            <a:ext cx="13042821" cy="362903"/>
-          </a:xfrm>
-          <a:prstGeom prst="rect">
-            <a:avLst/>
-          </a:prstGeom>
-          <a:noFill/>
-          <a:ln/>
-        </p:spPr>
-        <p:txBody>
-          <a:bodyPr wrap="none" lIns="0" tIns="0" rIns="0" bIns="0" rtlCol="0" anchor="t"/>
-          <a:lstStyle/>
-          <a:p>
-            <a:pPr marL="0" indent="0">
-              <a:lnSpc>
-                <a:spcPts val="2850"/>
-              </a:lnSpc>
-              <a:buNone/>
-            </a:pPr>
-            <a:endParaRPr lang="en-US" sz="1750" dirty="0"/>
+      <p:pic>
+        <p:nvPicPr>
+          <p:cNvPr id="5" name="Image 0" descr="preencoded.png">
+            <a:hlinkClick r:id="rId3"/>
+          </p:cNvPr>
+          <p:cNvPicPr>
+            <a:picLocks noChangeAspect="1"/>
+          </p:cNvPicPr>
+          <p:nvPr/>
+        </p:nvPicPr>
+        <p:blipFill>
+          <a:blip r:embed="rId4"/>
+          <a:stretch>
+            <a:fillRect/>
+          </a:stretch>
+        </p:blipFill>
+        <p:spPr>
+          <a:xfrm>
+            <a:off x="793790" y="4688562"/>
+            <a:ext cx="13042821" cy="1137404"/>
+          </a:xfrm>
+          <a:prstGeom prst="rect">
+            <a:avLst/>
+          </a:prstGeom>
+        </p:spPr>
+      </p:pic>
+      <p:sp>
+        <p:nvSpPr>
+          <p:cNvPr id="6" name="Rectangle 5">
+            <a:extLst>
+              <a:ext uri="{FF2B5EF4-FFF2-40B4-BE49-F238E27FC236}">
+                <a16:creationId xmlns:a16="http://schemas.microsoft.com/office/drawing/2014/main" id="{4F4B7760-C3CB-7034-7BB5-568A6535CA84}"/>
+              </a:ext>
+            </a:extLst>
+          </p:cNvPr>
+          <p:cNvSpPr/>
+          <p:nvPr/>
+        </p:nvSpPr>
+        <p:spPr>
+          <a:xfrm>
+            <a:off x="12684868" y="7538936"/>
+            <a:ext cx="1945532" cy="690664"/>
+          </a:xfrm>
+          <a:prstGeom prst="rect">
+            <a:avLst/>
+          </a:prstGeom>
+          <a:solidFill>
+            <a:schemeClr val="bg1"/>
+          </a:solidFill>
+          <a:ln>
+            <a:solidFill>
+              <a:schemeClr val="bg1"/>
+            </a:solidFill>
+          </a:ln>
+        </p:spPr>
+        <p:style>
+          <a:lnRef idx="2">
+            <a:schemeClr val="accent1">
+              <a:shade val="15000"/>
+            </a:schemeClr>
+          </a:lnRef>
+          <a:fillRef idx="1">
+            <a:schemeClr val="accent1"/>
+          </a:fillRef>
+          <a:effectRef idx="0">
+            <a:schemeClr val="accent1"/>
+          </a:effectRef>
+          <a:fontRef idx="minor">
+            <a:schemeClr val="lt1"/>
+          </a:fontRef>
+        </p:style>
+        <p:txBody>
+          <a:bodyPr rtlCol="0" anchor="ctr"/>
+          <a:lstStyle/>
+          <a:p>
+            <a:pPr algn="ctr"/>
+            <a:endParaRPr lang="en-US"/>
           </a:p>
         </p:txBody>
       </p:sp>
@@ -2688,7 +2813,7 @@
         </p:nvSpPr>
         <p:spPr>
           <a:xfrm>
-            <a:off x="793790" y="3227427"/>
+            <a:off x="793790" y="3045976"/>
             <a:ext cx="5670590" cy="708779"/>
           </a:xfrm>
           <a:prstGeom prst="rect">
@@ -2710,7 +2835,7 @@
             <a:r>
               <a:rPr lang="en-US" sz="4450" dirty="0">
                 <a:solidFill>
-                  <a:srgbClr val="EFD5FA"/>
+                  <a:srgbClr val="5E208E"/>
                 </a:solidFill>
                 <a:latin typeface="Instrument Sans Medium" pitchFamily="34" charset="0"/>
                 <a:ea typeface="Instrument Sans Medium" pitchFamily="34" charset="-122"/>
@@ -2730,8 +2855,8 @@
         </p:nvSpPr>
         <p:spPr>
           <a:xfrm>
-            <a:off x="1930997" y="4293395"/>
-            <a:ext cx="10768405" cy="2339585"/>
+            <a:off x="793790" y="4094917"/>
+            <a:ext cx="13042821" cy="1088708"/>
           </a:xfrm>
           <a:prstGeom prst="rect">
             <a:avLst/>
@@ -2743,67 +2868,78 @@
           <a:bodyPr wrap="square" lIns="0" tIns="0" rIns="0" bIns="0" rtlCol="0" anchor="t"/>
           <a:lstStyle/>
           <a:p>
-            <a:pPr marL="0" indent="0" algn="just">
+            <a:pPr marL="0" indent="0">
               <a:lnSpc>
                 <a:spcPts val="2850"/>
               </a:lnSpc>
               <a:buNone/>
             </a:pPr>
             <a:r>
-              <a:rPr lang="en-US" sz="2800" dirty="0">
+              <a:rPr lang="en-US" sz="1750" dirty="0">
                 <a:solidFill>
-                  <a:schemeClr val="bg1"/>
+                  <a:srgbClr val="B05EF1"/>
                 </a:solidFill>
+                <a:latin typeface="Inter" pitchFamily="34" charset="0"/>
                 <a:ea typeface="Inter" pitchFamily="34" charset="-122"/>
                 <a:cs typeface="Inter" pitchFamily="34" charset="-120"/>
               </a:rPr>
-              <a:t>Welcome to our presentation on the Certificate Manager Project. </a:t>
+              <a:t>Welcome to our presentation on the Certificate Manager Project. This system is designed to streamline the management process for educational academies. It allows teachers to input their students’ information, assign responsible teachers, and track financial and academic progress.</a:t>
             </a:r>
-          </a:p>
-          <a:p>
-            <a:pPr marL="0" indent="0" algn="just">
-              <a:lnSpc>
-                <a:spcPts val="2850"/>
-              </a:lnSpc>
-              <a:buNone/>
-            </a:pPr>
-            <a:endParaRPr lang="en-US" sz="2800" dirty="0">
-              <a:solidFill>
-                <a:schemeClr val="bg1"/>
-              </a:solidFill>
-              <a:ea typeface="Inter" pitchFamily="34" charset="-122"/>
-            </a:endParaRPr>
-          </a:p>
-          <a:p>
-            <a:pPr marL="0" indent="0" algn="just">
-              <a:lnSpc>
-                <a:spcPts val="2850"/>
-              </a:lnSpc>
-              <a:buNone/>
-            </a:pPr>
-            <a:r>
-              <a:rPr lang="en-US" sz="2800" dirty="0">
-                <a:solidFill>
-                  <a:schemeClr val="bg1"/>
-                </a:solidFill>
-              </a:rPr>
-              <a:t>This system is designed to streamline the management process for educational academies. It allows teachers to input their students’ information, assign responsible teachers, and track financial and academic progress.</a:t>
-            </a:r>
-            <a:r>
-              <a:rPr lang="en-US" sz="2800" dirty="0">
-                <a:solidFill>
-                  <a:schemeClr val="bg1"/>
-                </a:solidFill>
-                <a:ea typeface="Inter" pitchFamily="34" charset="-122"/>
-                <a:cs typeface="Inter" pitchFamily="34" charset="-120"/>
-              </a:rPr>
-              <a:t> </a:t>
-            </a:r>
-            <a:endParaRPr lang="en-US" sz="2800" dirty="0">
-              <a:solidFill>
-                <a:schemeClr val="bg1"/>
-              </a:solidFill>
-            </a:endParaRPr>
+            <a:endParaRPr lang="en-US" sz="1750" dirty="0"/>
+          </a:p>
+        </p:txBody>
+      </p:sp>
+      <p:sp>
+        <p:nvSpPr>
+          <p:cNvPr id="4" name="Rectangle 3">
+            <a:extLst>
+              <a:ext uri="{FF2B5EF4-FFF2-40B4-BE49-F238E27FC236}">
+                <a16:creationId xmlns:a16="http://schemas.microsoft.com/office/drawing/2014/main" id="{7CF198D9-88C0-40D9-5DD0-69F16C274605}"/>
+              </a:ext>
+            </a:extLst>
+          </p:cNvPr>
+          <p:cNvSpPr/>
+          <p:nvPr/>
+        </p:nvSpPr>
+        <p:spPr>
+          <a:xfrm>
+            <a:off x="12684868" y="7538936"/>
+            <a:ext cx="1945532" cy="690664"/>
+          </a:xfrm>
+          <a:prstGeom prst="rect">
+            <a:avLst/>
+          </a:prstGeom>
+          <a:solidFill>
+            <a:schemeClr val="bg1"/>
+          </a:solidFill>
+          <a:ln>
+            <a:solidFill>
+              <a:schemeClr val="bg1"/>
+            </a:solidFill>
+          </a:ln>
+        </p:spPr>
+        <p:style>
+          <a:lnRef idx="2">
+            <a:schemeClr val="accent1">
+              <a:shade val="15000"/>
+            </a:schemeClr>
+          </a:lnRef>
+          <a:fillRef idx="1">
+            <a:schemeClr val="accent1"/>
+          </a:fillRef>
+          <a:effectRef idx="0">
+            <a:schemeClr val="accent1"/>
+          </a:effectRef>
+          <a:fontRef idx="minor">
+            <a:schemeClr val="lt1"/>
+          </a:fontRef>
+        </p:style>
+        <p:txBody>
+          <a:bodyPr rtlCol="0" anchor="ctr"/>
+          <a:lstStyle/>
+          <a:p>
+            <a:pPr algn="ctr"/>
+            <a:endParaRPr lang="en-US"/>
           </a:p>
         </p:txBody>
       </p:sp>
@@ -2848,8 +2984,8 @@
         </p:blipFill>
         <p:spPr>
           <a:xfrm>
-            <a:off x="9144000" y="0"/>
-            <a:ext cx="5486400" cy="8229600"/>
+            <a:off x="0" y="0"/>
+            <a:ext cx="14630400" cy="3912394"/>
           </a:xfrm>
           <a:prstGeom prst="rect">
             <a:avLst/>
@@ -2864,8 +3000,8 @@
         </p:nvSpPr>
         <p:spPr>
           <a:xfrm>
-            <a:off x="793790" y="1778675"/>
-            <a:ext cx="7556421" cy="1417558"/>
+            <a:off x="730329" y="4486632"/>
+            <a:ext cx="5216604" cy="651986"/>
           </a:xfrm>
           <a:prstGeom prst="rect">
             <a:avLst/>
@@ -2874,19 +3010,19 @@
           <a:ln/>
         </p:spPr>
         <p:txBody>
-          <a:bodyPr wrap="square" lIns="0" tIns="0" rIns="0" bIns="0" rtlCol="0" anchor="t"/>
+          <a:bodyPr wrap="none" lIns="0" tIns="0" rIns="0" bIns="0" rtlCol="0" anchor="t"/>
           <a:lstStyle/>
           <a:p>
             <a:pPr marL="0" indent="0">
               <a:lnSpc>
-                <a:spcPts val="5550"/>
+                <a:spcPts val="5100"/>
               </a:lnSpc>
               <a:buNone/>
             </a:pPr>
             <a:r>
-              <a:rPr lang="en-US" sz="4450" dirty="0">
+              <a:rPr lang="en-US" sz="4100" dirty="0">
                 <a:solidFill>
-                  <a:srgbClr val="EFD5FA"/>
+                  <a:srgbClr val="5E208E"/>
                 </a:solidFill>
                 <a:latin typeface="Instrument Sans Medium" pitchFamily="34" charset="0"/>
                 <a:ea typeface="Instrument Sans Medium" pitchFamily="34" charset="-122"/>
@@ -2894,20 +3030,42 @@
               </a:rPr>
               <a:t>The Problem</a:t>
             </a:r>
-            <a:endParaRPr lang="en-US" sz="4450" dirty="0"/>
-          </a:p>
-        </p:txBody>
-      </p:sp>
-      <p:sp>
-        <p:nvSpPr>
-          <p:cNvPr id="6" name="Text 3"/>
-          <p:cNvSpPr/>
-          <p:nvPr/>
-        </p:nvSpPr>
-        <p:spPr>
-          <a:xfrm>
-            <a:off x="1530906" y="2884646"/>
-            <a:ext cx="6117781" cy="600832"/>
+            <a:endParaRPr lang="en-US" sz="4100" dirty="0"/>
+          </a:p>
+        </p:txBody>
+      </p:sp>
+      <p:sp>
+        <p:nvSpPr>
+          <p:cNvPr id="4" name="Shape 1"/>
+          <p:cNvSpPr/>
+          <p:nvPr/>
+        </p:nvSpPr>
+        <p:spPr>
+          <a:xfrm>
+            <a:off x="730329" y="5451515"/>
+            <a:ext cx="4250888" cy="2203728"/>
+          </a:xfrm>
+          <a:prstGeom prst="roundRect">
+            <a:avLst>
+              <a:gd name="adj" fmla="val 1420"/>
+            </a:avLst>
+          </a:prstGeom>
+          <a:solidFill>
+            <a:srgbClr val="F2F2F2"/>
+          </a:solidFill>
+          <a:ln/>
+        </p:spPr>
+      </p:sp>
+      <p:sp>
+        <p:nvSpPr>
+          <p:cNvPr id="5" name="Text 2"/>
+          <p:cNvSpPr/>
+          <p:nvPr/>
+        </p:nvSpPr>
+        <p:spPr>
+          <a:xfrm>
+            <a:off x="938927" y="5660112"/>
+            <a:ext cx="2608302" cy="325993"/>
           </a:xfrm>
           <a:prstGeom prst="rect">
             <a:avLst/>
@@ -2916,40 +3074,40 @@
           <a:ln/>
         </p:spPr>
         <p:txBody>
-          <a:bodyPr wrap="square" lIns="0" tIns="0" rIns="0" bIns="0" rtlCol="0" anchor="t"/>
+          <a:bodyPr wrap="none" lIns="0" tIns="0" rIns="0" bIns="0" rtlCol="0" anchor="t"/>
           <a:lstStyle/>
           <a:p>
             <a:pPr marL="0" indent="0">
               <a:lnSpc>
-                <a:spcPts val="2750"/>
+                <a:spcPts val="2550"/>
               </a:lnSpc>
               <a:buNone/>
             </a:pPr>
             <a:r>
-              <a:rPr lang="en-US" sz="2200" dirty="0">
+              <a:rPr lang="en-US" sz="2050" dirty="0">
                 <a:solidFill>
-                  <a:srgbClr val="C7CDD6"/>
+                  <a:srgbClr val="5E208E"/>
                 </a:solidFill>
                 <a:latin typeface="Instrument Sans Medium" pitchFamily="34" charset="0"/>
                 <a:ea typeface="Instrument Sans Medium" pitchFamily="34" charset="-122"/>
                 <a:cs typeface="Instrument Sans Medium" pitchFamily="34" charset="-120"/>
               </a:rPr>
-              <a:t>Automated Eligibility Checks</a:t>
+              <a:t>Manual Processes</a:t>
             </a:r>
-            <a:endParaRPr lang="en-US" sz="2200" dirty="0"/>
-          </a:p>
-        </p:txBody>
-      </p:sp>
-      <p:sp>
-        <p:nvSpPr>
-          <p:cNvPr id="7" name="Text 4"/>
-          <p:cNvSpPr/>
-          <p:nvPr/>
-        </p:nvSpPr>
-        <p:spPr>
-          <a:xfrm>
-            <a:off x="1530906" y="3485478"/>
-            <a:ext cx="6819305" cy="2194560"/>
+            <a:endParaRPr lang="en-US" sz="2050" dirty="0"/>
+          </a:p>
+        </p:txBody>
+      </p:sp>
+      <p:sp>
+        <p:nvSpPr>
+          <p:cNvPr id="6" name="Text 3"/>
+          <p:cNvSpPr/>
+          <p:nvPr/>
+        </p:nvSpPr>
+        <p:spPr>
+          <a:xfrm>
+            <a:off x="938927" y="6111240"/>
+            <a:ext cx="3833693" cy="1001554"/>
           </a:xfrm>
           <a:prstGeom prst="rect">
             <a:avLst/>
@@ -2963,22 +3121,288 @@
           <a:p>
             <a:pPr marL="0" indent="0">
               <a:lnSpc>
-                <a:spcPts val="2850"/>
+                <a:spcPts val="2600"/>
               </a:lnSpc>
               <a:buNone/>
             </a:pPr>
             <a:r>
-              <a:rPr lang="en-US" sz="1750" dirty="0">
+              <a:rPr lang="en-US" sz="1600" dirty="0">
                 <a:solidFill>
-                  <a:srgbClr val="C7CDD6"/>
+                  <a:srgbClr val="B05EF1"/>
                 </a:solidFill>
                 <a:latin typeface="Inter" pitchFamily="34" charset="0"/>
                 <a:ea typeface="Inter" pitchFamily="34" charset="-122"/>
                 <a:cs typeface="Inter" pitchFamily="34" charset="-120"/>
               </a:rPr>
-              <a:t>The system automatically checks student eligibility for certification based on predefined criteria.</a:t>
+              <a:t>Many institutions rely on manual methods for student records, payment tracking, and certificate issuance.</a:t>
             </a:r>
-            <a:endParaRPr lang="en-US" sz="1750" dirty="0"/>
+            <a:endParaRPr lang="en-US" sz="1600" dirty="0"/>
+          </a:p>
+        </p:txBody>
+      </p:sp>
+      <p:sp>
+        <p:nvSpPr>
+          <p:cNvPr id="7" name="Shape 4"/>
+          <p:cNvSpPr/>
+          <p:nvPr/>
+        </p:nvSpPr>
+        <p:spPr>
+          <a:xfrm>
+            <a:off x="5189815" y="5451515"/>
+            <a:ext cx="4250888" cy="2203728"/>
+          </a:xfrm>
+          <a:prstGeom prst="roundRect">
+            <a:avLst>
+              <a:gd name="adj" fmla="val 1420"/>
+            </a:avLst>
+          </a:prstGeom>
+          <a:solidFill>
+            <a:srgbClr val="F2F2F2"/>
+          </a:solidFill>
+          <a:ln/>
+        </p:spPr>
+      </p:sp>
+      <p:sp>
+        <p:nvSpPr>
+          <p:cNvPr id="8" name="Text 5"/>
+          <p:cNvSpPr/>
+          <p:nvPr/>
+        </p:nvSpPr>
+        <p:spPr>
+          <a:xfrm>
+            <a:off x="5398413" y="5660112"/>
+            <a:ext cx="2686050" cy="325993"/>
+          </a:xfrm>
+          <a:prstGeom prst="rect">
+            <a:avLst/>
+          </a:prstGeom>
+          <a:noFill/>
+          <a:ln/>
+        </p:spPr>
+        <p:txBody>
+          <a:bodyPr wrap="none" lIns="0" tIns="0" rIns="0" bIns="0" rtlCol="0" anchor="t"/>
+          <a:lstStyle/>
+          <a:p>
+            <a:pPr marL="0" indent="0">
+              <a:lnSpc>
+                <a:spcPts val="2550"/>
+              </a:lnSpc>
+              <a:buNone/>
+            </a:pPr>
+            <a:r>
+              <a:rPr lang="en-US" sz="2050" dirty="0">
+                <a:solidFill>
+                  <a:srgbClr val="5E208E"/>
+                </a:solidFill>
+                <a:latin typeface="Instrument Sans Medium" pitchFamily="34" charset="0"/>
+                <a:ea typeface="Instrument Sans Medium" pitchFamily="34" charset="-122"/>
+                <a:cs typeface="Instrument Sans Medium" pitchFamily="34" charset="-120"/>
+              </a:rPr>
+              <a:t>Disorganized Systems</a:t>
+            </a:r>
+            <a:endParaRPr lang="en-US" sz="2050" dirty="0"/>
+          </a:p>
+        </p:txBody>
+      </p:sp>
+      <p:sp>
+        <p:nvSpPr>
+          <p:cNvPr id="9" name="Text 6"/>
+          <p:cNvSpPr/>
+          <p:nvPr/>
+        </p:nvSpPr>
+        <p:spPr>
+          <a:xfrm>
+            <a:off x="5398413" y="6111240"/>
+            <a:ext cx="3833693" cy="1001554"/>
+          </a:xfrm>
+          <a:prstGeom prst="rect">
+            <a:avLst/>
+          </a:prstGeom>
+          <a:noFill/>
+          <a:ln/>
+        </p:spPr>
+        <p:txBody>
+          <a:bodyPr wrap="square" lIns="0" tIns="0" rIns="0" bIns="0" rtlCol="0" anchor="t"/>
+          <a:lstStyle/>
+          <a:p>
+            <a:pPr marL="0" indent="0">
+              <a:lnSpc>
+                <a:spcPts val="2600"/>
+              </a:lnSpc>
+              <a:buNone/>
+            </a:pPr>
+            <a:r>
+              <a:rPr lang="en-US" sz="1600" dirty="0">
+                <a:solidFill>
+                  <a:srgbClr val="B05EF1"/>
+                </a:solidFill>
+                <a:latin typeface="Inter" pitchFamily="34" charset="0"/>
+                <a:ea typeface="Inter" pitchFamily="34" charset="-122"/>
+                <a:cs typeface="Inter" pitchFamily="34" charset="-120"/>
+              </a:rPr>
+              <a:t>Outdated or disconnected systems lead to errors, wasted time, and inefficiency.</a:t>
+            </a:r>
+            <a:endParaRPr lang="en-US" sz="1600" dirty="0"/>
+          </a:p>
+        </p:txBody>
+      </p:sp>
+      <p:sp>
+        <p:nvSpPr>
+          <p:cNvPr id="10" name="Shape 7"/>
+          <p:cNvSpPr/>
+          <p:nvPr/>
+        </p:nvSpPr>
+        <p:spPr>
+          <a:xfrm>
+            <a:off x="9649301" y="5451515"/>
+            <a:ext cx="4250888" cy="2203728"/>
+          </a:xfrm>
+          <a:prstGeom prst="roundRect">
+            <a:avLst>
+              <a:gd name="adj" fmla="val 1420"/>
+            </a:avLst>
+          </a:prstGeom>
+          <a:solidFill>
+            <a:srgbClr val="F2F2F2"/>
+          </a:solidFill>
+          <a:ln/>
+        </p:spPr>
+      </p:sp>
+      <p:sp>
+        <p:nvSpPr>
+          <p:cNvPr id="11" name="Text 8"/>
+          <p:cNvSpPr/>
+          <p:nvPr/>
+        </p:nvSpPr>
+        <p:spPr>
+          <a:xfrm>
+            <a:off x="9857899" y="5660112"/>
+            <a:ext cx="2895362" cy="325993"/>
+          </a:xfrm>
+          <a:prstGeom prst="rect">
+            <a:avLst/>
+          </a:prstGeom>
+          <a:noFill/>
+          <a:ln/>
+        </p:spPr>
+        <p:txBody>
+          <a:bodyPr wrap="none" lIns="0" tIns="0" rIns="0" bIns="0" rtlCol="0" anchor="t"/>
+          <a:lstStyle/>
+          <a:p>
+            <a:pPr marL="0" indent="0">
+              <a:lnSpc>
+                <a:spcPts val="2550"/>
+              </a:lnSpc>
+              <a:buNone/>
+            </a:pPr>
+            <a:r>
+              <a:rPr lang="en-US" sz="2050" dirty="0">
+                <a:solidFill>
+                  <a:srgbClr val="5E208E"/>
+                </a:solidFill>
+                <a:latin typeface="Instrument Sans Medium" pitchFamily="34" charset="0"/>
+                <a:ea typeface="Instrument Sans Medium" pitchFamily="34" charset="-122"/>
+                <a:cs typeface="Instrument Sans Medium" pitchFamily="34" charset="-120"/>
+              </a:rPr>
+              <a:t>Lack of Synchronization</a:t>
+            </a:r>
+            <a:endParaRPr lang="en-US" sz="2050" dirty="0"/>
+          </a:p>
+        </p:txBody>
+      </p:sp>
+      <p:sp>
+        <p:nvSpPr>
+          <p:cNvPr id="12" name="Text 9"/>
+          <p:cNvSpPr/>
+          <p:nvPr/>
+        </p:nvSpPr>
+        <p:spPr>
+          <a:xfrm>
+            <a:off x="9857899" y="6111240"/>
+            <a:ext cx="3833693" cy="1335405"/>
+          </a:xfrm>
+          <a:prstGeom prst="rect">
+            <a:avLst/>
+          </a:prstGeom>
+          <a:noFill/>
+          <a:ln/>
+        </p:spPr>
+        <p:txBody>
+          <a:bodyPr wrap="square" lIns="0" tIns="0" rIns="0" bIns="0" rtlCol="0" anchor="t"/>
+          <a:lstStyle/>
+          <a:p>
+            <a:pPr marL="0" indent="0">
+              <a:lnSpc>
+                <a:spcPts val="2600"/>
+              </a:lnSpc>
+              <a:buNone/>
+            </a:pPr>
+            <a:r>
+              <a:rPr lang="en-US" sz="1600" dirty="0">
+                <a:solidFill>
+                  <a:srgbClr val="B05EF1"/>
+                </a:solidFill>
+                <a:latin typeface="Inter" pitchFamily="34" charset="0"/>
+                <a:ea typeface="Inter" pitchFamily="34" charset="-122"/>
+                <a:cs typeface="Inter" pitchFamily="34" charset="-120"/>
+              </a:rPr>
+              <a:t>Teachers, accountants, and administrators struggle to keep data consistent across various departments.</a:t>
+            </a:r>
+            <a:endParaRPr lang="en-US" sz="1600" dirty="0"/>
+          </a:p>
+        </p:txBody>
+      </p:sp>
+      <p:sp>
+        <p:nvSpPr>
+          <p:cNvPr id="15" name="Rectangle 14">
+            <a:extLst>
+              <a:ext uri="{FF2B5EF4-FFF2-40B4-BE49-F238E27FC236}">
+                <a16:creationId xmlns:a16="http://schemas.microsoft.com/office/drawing/2014/main" id="{28ACB090-4137-6B65-082A-09BF302DAA18}"/>
+              </a:ext>
+            </a:extLst>
+          </p:cNvPr>
+          <p:cNvSpPr/>
+          <p:nvPr/>
+        </p:nvSpPr>
+        <p:spPr>
+          <a:xfrm>
+            <a:off x="12718826" y="7780378"/>
+            <a:ext cx="1911574" cy="449222"/>
+          </a:xfrm>
+          <a:prstGeom prst="rect">
+            <a:avLst/>
+          </a:prstGeom>
+          <a:solidFill>
+            <a:schemeClr val="bg1"/>
+          </a:solidFill>
+          <a:ln>
+            <a:solidFill>
+              <a:schemeClr val="bg1"/>
+            </a:solidFill>
+          </a:ln>
+        </p:spPr>
+        <p:style>
+          <a:lnRef idx="2">
+            <a:schemeClr val="accent1">
+              <a:shade val="15000"/>
+            </a:schemeClr>
+          </a:lnRef>
+          <a:fillRef idx="1">
+            <a:schemeClr val="accent1"/>
+          </a:fillRef>
+          <a:effectRef idx="0">
+            <a:schemeClr val="accent1"/>
+          </a:effectRef>
+          <a:fontRef idx="minor">
+            <a:schemeClr val="lt1"/>
+          </a:fontRef>
+        </p:style>
+        <p:txBody>
+          <a:bodyPr rtlCol="0" anchor="ctr"/>
+          <a:lstStyle/>
+          <a:p>
+            <a:pPr algn="ctr"/>
+            <a:endParaRPr lang="en-US"/>
           </a:p>
         </p:txBody>
       </p:sp>
@@ -2992,16 +3416,10 @@
 
 <file path=ppt/slides/slide4.xml><?xml version="1.0" encoding="utf-8"?>
 <p:sld xmlns:a="http://schemas.openxmlformats.org/drawingml/2006/main" xmlns:r="http://schemas.openxmlformats.org/officeDocument/2006/relationships" xmlns:p="http://schemas.openxmlformats.org/presentationml/2006/main">
-  <p:cSld>
+  <p:cSld name="Slide 4">
     <p:spTree>
       <p:nvGrpSpPr>
-        <p:cNvPr id="1" name="">
-          <a:extLst>
-            <a:ext uri="{FF2B5EF4-FFF2-40B4-BE49-F238E27FC236}">
-              <a16:creationId xmlns:a16="http://schemas.microsoft.com/office/drawing/2014/main" id="{72F9A922-1071-4B69-ECEF-E4720DFC3F16}"/>
-            </a:ext>
-          </a:extLst>
-        </p:cNvPr>
+        <p:cNvPr id="1" name=""/>
         <p:cNvGrpSpPr/>
         <p:nvPr/>
       </p:nvGrpSpPr>
@@ -3013,52 +3431,16 @@
           <a:chExt cx="0" cy="0"/>
         </a:xfrm>
       </p:grpSpPr>
-      <p:pic>
-        <p:nvPicPr>
-          <p:cNvPr id="2" name="Image 0" descr="preencoded.png">
-            <a:extLst>
-              <a:ext uri="{FF2B5EF4-FFF2-40B4-BE49-F238E27FC236}">
-                <a16:creationId xmlns:a16="http://schemas.microsoft.com/office/drawing/2014/main" id="{AA5BAC00-C1F9-9BAF-4A3A-679DB1A53D9E}"/>
-              </a:ext>
-            </a:extLst>
-          </p:cNvPr>
-          <p:cNvPicPr>
-            <a:picLocks noChangeAspect="1"/>
-          </p:cNvPicPr>
-          <p:nvPr/>
-        </p:nvPicPr>
-        <p:blipFill>
-          <a:blip r:embed="rId3"/>
-          <a:stretch>
-            <a:fillRect/>
-          </a:stretch>
-        </p:blipFill>
-        <p:spPr>
-          <a:xfrm>
-            <a:off x="9144000" y="0"/>
-            <a:ext cx="5486400" cy="8229600"/>
-          </a:xfrm>
-          <a:prstGeom prst="rect">
-            <a:avLst/>
-          </a:prstGeom>
-        </p:spPr>
-      </p:pic>
-      <p:sp>
-        <p:nvSpPr>
-          <p:cNvPr id="3" name="Text 0">
-            <a:extLst>
-              <a:ext uri="{FF2B5EF4-FFF2-40B4-BE49-F238E27FC236}">
-                <a16:creationId xmlns:a16="http://schemas.microsoft.com/office/drawing/2014/main" id="{BA8E9A7A-B54F-3830-A947-B0E51D9AF44A}"/>
-              </a:ext>
-            </a:extLst>
-          </p:cNvPr>
-          <p:cNvSpPr/>
-          <p:nvPr/>
-        </p:nvSpPr>
-        <p:spPr>
-          <a:xfrm>
-            <a:off x="793790" y="1778675"/>
-            <a:ext cx="7556421" cy="1417558"/>
+      <p:sp>
+        <p:nvSpPr>
+          <p:cNvPr id="2" name="Text 0"/>
+          <p:cNvSpPr/>
+          <p:nvPr/>
+        </p:nvSpPr>
+        <p:spPr>
+          <a:xfrm>
+            <a:off x="793790" y="1750338"/>
+            <a:ext cx="5670590" cy="708779"/>
           </a:xfrm>
           <a:prstGeom prst="rect">
             <a:avLst/>
@@ -3067,7 +3449,7 @@
           <a:ln/>
         </p:spPr>
         <p:txBody>
-          <a:bodyPr wrap="square" lIns="0" tIns="0" rIns="0" bIns="0" rtlCol="0" anchor="t"/>
+          <a:bodyPr wrap="none" lIns="0" tIns="0" rIns="0" bIns="0" rtlCol="0" anchor="t"/>
           <a:lstStyle/>
           <a:p>
             <a:pPr marL="0" indent="0">
@@ -3079,13 +3461,13 @@
             <a:r>
               <a:rPr lang="en-US" sz="4450" dirty="0">
                 <a:solidFill>
-                  <a:srgbClr val="EFD5FA"/>
+                  <a:srgbClr val="5E208E"/>
                 </a:solidFill>
                 <a:latin typeface="Instrument Sans Medium" pitchFamily="34" charset="0"/>
                 <a:ea typeface="Instrument Sans Medium" pitchFamily="34" charset="-122"/>
                 <a:cs typeface="Instrument Sans Medium" pitchFamily="34" charset="-120"/>
               </a:rPr>
-              <a:t>Automated Eligibility Checks and Grade Tracking</a:t>
+              <a:t>The Solution</a:t>
             </a:r>
             <a:endParaRPr lang="en-US" sz="4450" dirty="0"/>
           </a:p>
@@ -3093,55 +3475,36 @@
       </p:sp>
       <p:sp>
         <p:nvSpPr>
-          <p:cNvPr id="4" name="Shape 1">
-            <a:extLst>
-              <a:ext uri="{FF2B5EF4-FFF2-40B4-BE49-F238E27FC236}">
-                <a16:creationId xmlns:a16="http://schemas.microsoft.com/office/drawing/2014/main" id="{EFE9FF64-FBA6-3263-DA8B-1E706ACC73B5}"/>
-              </a:ext>
-            </a:extLst>
-          </p:cNvPr>
-          <p:cNvSpPr/>
-          <p:nvPr/>
-        </p:nvSpPr>
-        <p:spPr>
-          <a:xfrm>
-            <a:off x="793790" y="3791545"/>
-            <a:ext cx="510302" cy="510302"/>
+          <p:cNvPr id="3" name="Shape 1"/>
+          <p:cNvSpPr/>
+          <p:nvPr/>
+        </p:nvSpPr>
+        <p:spPr>
+          <a:xfrm>
+            <a:off x="793790" y="2912745"/>
+            <a:ext cx="6408063" cy="1669852"/>
           </a:xfrm>
           <a:prstGeom prst="roundRect">
             <a:avLst>
-              <a:gd name="adj" fmla="val 6667"/>
+              <a:gd name="adj" fmla="val 2038"/>
             </a:avLst>
           </a:prstGeom>
           <a:solidFill>
-            <a:srgbClr val="434348"/>
+            <a:srgbClr val="F2F2F2"/>
           </a:solidFill>
           <a:ln/>
         </p:spPr>
-        <p:txBody>
-          <a:bodyPr/>
-          <a:lstStyle/>
-          <a:p>
-            <a:endParaRPr lang="en-PS"/>
-          </a:p>
-        </p:txBody>
-      </p:sp>
-      <p:sp>
-        <p:nvSpPr>
-          <p:cNvPr id="5" name="Text 2">
-            <a:extLst>
-              <a:ext uri="{FF2B5EF4-FFF2-40B4-BE49-F238E27FC236}">
-                <a16:creationId xmlns:a16="http://schemas.microsoft.com/office/drawing/2014/main" id="{007EA483-628A-A69F-283B-1020EC889DDD}"/>
-              </a:ext>
-            </a:extLst>
-          </p:cNvPr>
-          <p:cNvSpPr/>
-          <p:nvPr/>
-        </p:nvSpPr>
-        <p:spPr>
-          <a:xfrm>
-            <a:off x="982742" y="3876556"/>
-            <a:ext cx="132398" cy="340281"/>
+      </p:sp>
+      <p:sp>
+        <p:nvSpPr>
+          <p:cNvPr id="4" name="Text 2"/>
+          <p:cNvSpPr/>
+          <p:nvPr/>
+        </p:nvSpPr>
+        <p:spPr>
+          <a:xfrm>
+            <a:off x="1020604" y="3139559"/>
+            <a:ext cx="2835235" cy="354330"/>
           </a:xfrm>
           <a:prstGeom prst="rect">
             <a:avLst/>
@@ -3151,54 +3514,6 @@
         </p:spPr>
         <p:txBody>
           <a:bodyPr wrap="none" lIns="0" tIns="0" rIns="0" bIns="0" rtlCol="0" anchor="t"/>
-          <a:lstStyle/>
-          <a:p>
-            <a:pPr marL="0" indent="0" algn="ctr">
-              <a:lnSpc>
-                <a:spcPts val="2650"/>
-              </a:lnSpc>
-              <a:buNone/>
-            </a:pPr>
-            <a:r>
-              <a:rPr lang="en-US" sz="2650" dirty="0">
-                <a:solidFill>
-                  <a:srgbClr val="C7CDD6"/>
-                </a:solidFill>
-                <a:latin typeface="Instrument Sans Medium" pitchFamily="34" charset="0"/>
-                <a:ea typeface="Instrument Sans Medium" pitchFamily="34" charset="-122"/>
-                <a:cs typeface="Instrument Sans Medium" pitchFamily="34" charset="-120"/>
-              </a:rPr>
-              <a:t>1</a:t>
-            </a:r>
-            <a:endParaRPr lang="en-US" sz="2650" dirty="0"/>
-          </a:p>
-        </p:txBody>
-      </p:sp>
-      <p:sp>
-        <p:nvSpPr>
-          <p:cNvPr id="6" name="Text 3">
-            <a:extLst>
-              <a:ext uri="{FF2B5EF4-FFF2-40B4-BE49-F238E27FC236}">
-                <a16:creationId xmlns:a16="http://schemas.microsoft.com/office/drawing/2014/main" id="{9FAE36E0-F043-2B19-635C-FA0CB7CA285B}"/>
-              </a:ext>
-            </a:extLst>
-          </p:cNvPr>
-          <p:cNvSpPr/>
-          <p:nvPr/>
-        </p:nvSpPr>
-        <p:spPr>
-          <a:xfrm>
-            <a:off x="1530906" y="3791545"/>
-            <a:ext cx="2927747" cy="708660"/>
-          </a:xfrm>
-          <a:prstGeom prst="rect">
-            <a:avLst/>
-          </a:prstGeom>
-          <a:noFill/>
-          <a:ln/>
-        </p:spPr>
-        <p:txBody>
-          <a:bodyPr wrap="square" lIns="0" tIns="0" rIns="0" bIns="0" rtlCol="0" anchor="t"/>
           <a:lstStyle/>
           <a:p>
             <a:pPr marL="0" indent="0">
@@ -3210,13 +3525,13 @@
             <a:r>
               <a:rPr lang="en-US" sz="2200" dirty="0">
                 <a:solidFill>
-                  <a:srgbClr val="C7CDD6"/>
+                  <a:srgbClr val="5E208E"/>
                 </a:solidFill>
                 <a:latin typeface="Instrument Sans Medium" pitchFamily="34" charset="0"/>
                 <a:ea typeface="Instrument Sans Medium" pitchFamily="34" charset="-122"/>
                 <a:cs typeface="Instrument Sans Medium" pitchFamily="34" charset="-120"/>
               </a:rPr>
-              <a:t>Automated Eligibility Checks</a:t>
+              <a:t>Centralized Platform</a:t>
             </a:r>
             <a:endParaRPr lang="en-US" sz="2200" dirty="0"/>
           </a:p>
@@ -3224,20 +3539,14 @@
       </p:sp>
       <p:sp>
         <p:nvSpPr>
-          <p:cNvPr id="7" name="Text 4">
-            <a:extLst>
-              <a:ext uri="{FF2B5EF4-FFF2-40B4-BE49-F238E27FC236}">
-                <a16:creationId xmlns:a16="http://schemas.microsoft.com/office/drawing/2014/main" id="{AB898407-8F5C-6595-C50A-0072216FD415}"/>
-              </a:ext>
-            </a:extLst>
-          </p:cNvPr>
-          <p:cNvSpPr/>
-          <p:nvPr/>
-        </p:nvSpPr>
-        <p:spPr>
-          <a:xfrm>
-            <a:off x="1530906" y="4636294"/>
-            <a:ext cx="2927747" cy="1451610"/>
+          <p:cNvPr id="5" name="Text 3"/>
+          <p:cNvSpPr/>
+          <p:nvPr/>
+        </p:nvSpPr>
+        <p:spPr>
+          <a:xfrm>
+            <a:off x="1020604" y="3629978"/>
+            <a:ext cx="5954435" cy="725805"/>
           </a:xfrm>
           <a:prstGeom prst="rect">
             <a:avLst/>
@@ -3258,13 +3567,13 @@
             <a:r>
               <a:rPr lang="en-US" sz="1750" dirty="0">
                 <a:solidFill>
-                  <a:srgbClr val="C7CDD6"/>
+                  <a:srgbClr val="B05EF1"/>
                 </a:solidFill>
                 <a:latin typeface="Inter" pitchFamily="34" charset="0"/>
                 <a:ea typeface="Inter" pitchFamily="34" charset="-122"/>
                 <a:cs typeface="Inter" pitchFamily="34" charset="-120"/>
               </a:rPr>
-              <a:t>The system automatically checks student eligibility for certification based on predefined criteria.</a:t>
+              <a:t>Provides a single hub for teachers, accountants, and administrators to input and access student information.</a:t>
             </a:r>
             <a:endParaRPr lang="en-US" sz="1750" dirty="0"/>
           </a:p>
@@ -3272,55 +3581,36 @@
       </p:sp>
       <p:sp>
         <p:nvSpPr>
-          <p:cNvPr id="8" name="Shape 5">
-            <a:extLst>
-              <a:ext uri="{FF2B5EF4-FFF2-40B4-BE49-F238E27FC236}">
-                <a16:creationId xmlns:a16="http://schemas.microsoft.com/office/drawing/2014/main" id="{FD32E96E-ACAA-A0CE-B891-03592B94E0F0}"/>
-              </a:ext>
-            </a:extLst>
-          </p:cNvPr>
-          <p:cNvSpPr/>
-          <p:nvPr/>
-        </p:nvSpPr>
-        <p:spPr>
-          <a:xfrm>
-            <a:off x="4685467" y="3791545"/>
-            <a:ext cx="510302" cy="510302"/>
+          <p:cNvPr id="6" name="Shape 4"/>
+          <p:cNvSpPr/>
+          <p:nvPr/>
+        </p:nvSpPr>
+        <p:spPr>
+          <a:xfrm>
+            <a:off x="7428667" y="2912745"/>
+            <a:ext cx="6408063" cy="1669852"/>
           </a:xfrm>
           <a:prstGeom prst="roundRect">
             <a:avLst>
-              <a:gd name="adj" fmla="val 6667"/>
+              <a:gd name="adj" fmla="val 2038"/>
             </a:avLst>
           </a:prstGeom>
           <a:solidFill>
-            <a:srgbClr val="434348"/>
+            <a:srgbClr val="F2F2F2"/>
           </a:solidFill>
           <a:ln/>
         </p:spPr>
-        <p:txBody>
-          <a:bodyPr/>
-          <a:lstStyle/>
-          <a:p>
-            <a:endParaRPr lang="en-PS"/>
-          </a:p>
-        </p:txBody>
-      </p:sp>
-      <p:sp>
-        <p:nvSpPr>
-          <p:cNvPr id="9" name="Text 6">
-            <a:extLst>
-              <a:ext uri="{FF2B5EF4-FFF2-40B4-BE49-F238E27FC236}">
-                <a16:creationId xmlns:a16="http://schemas.microsoft.com/office/drawing/2014/main" id="{1B77C251-4E71-881E-35DB-F75A8798AD77}"/>
-              </a:ext>
-            </a:extLst>
-          </p:cNvPr>
-          <p:cNvSpPr/>
-          <p:nvPr/>
-        </p:nvSpPr>
-        <p:spPr>
-          <a:xfrm>
-            <a:off x="4846796" y="3876556"/>
-            <a:ext cx="187523" cy="340281"/>
+      </p:sp>
+      <p:sp>
+        <p:nvSpPr>
+          <p:cNvPr id="7" name="Text 5"/>
+          <p:cNvSpPr/>
+          <p:nvPr/>
+        </p:nvSpPr>
+        <p:spPr>
+          <a:xfrm>
+            <a:off x="7655481" y="3139559"/>
+            <a:ext cx="2905720" cy="354330"/>
           </a:xfrm>
           <a:prstGeom prst="rect">
             <a:avLst/>
@@ -3330,54 +3620,6 @@
         </p:spPr>
         <p:txBody>
           <a:bodyPr wrap="none" lIns="0" tIns="0" rIns="0" bIns="0" rtlCol="0" anchor="t"/>
-          <a:lstStyle/>
-          <a:p>
-            <a:pPr marL="0" indent="0" algn="ctr">
-              <a:lnSpc>
-                <a:spcPts val="2650"/>
-              </a:lnSpc>
-              <a:buNone/>
-            </a:pPr>
-            <a:r>
-              <a:rPr lang="en-US" sz="2650" dirty="0">
-                <a:solidFill>
-                  <a:srgbClr val="C7CDD6"/>
-                </a:solidFill>
-                <a:latin typeface="Instrument Sans Medium" pitchFamily="34" charset="0"/>
-                <a:ea typeface="Instrument Sans Medium" pitchFamily="34" charset="-122"/>
-                <a:cs typeface="Instrument Sans Medium" pitchFamily="34" charset="-120"/>
-              </a:rPr>
-              <a:t>2</a:t>
-            </a:r>
-            <a:endParaRPr lang="en-US" sz="2650" dirty="0"/>
-          </a:p>
-        </p:txBody>
-      </p:sp>
-      <p:sp>
-        <p:nvSpPr>
-          <p:cNvPr id="10" name="Text 7">
-            <a:extLst>
-              <a:ext uri="{FF2B5EF4-FFF2-40B4-BE49-F238E27FC236}">
-                <a16:creationId xmlns:a16="http://schemas.microsoft.com/office/drawing/2014/main" id="{D6144D48-2A7D-15E0-9E71-A5DE766369C7}"/>
-              </a:ext>
-            </a:extLst>
-          </p:cNvPr>
-          <p:cNvSpPr/>
-          <p:nvPr/>
-        </p:nvSpPr>
-        <p:spPr>
-          <a:xfrm>
-            <a:off x="5422583" y="3791545"/>
-            <a:ext cx="2927747" cy="708660"/>
-          </a:xfrm>
-          <a:prstGeom prst="rect">
-            <a:avLst/>
-          </a:prstGeom>
-          <a:noFill/>
-          <a:ln/>
-        </p:spPr>
-        <p:txBody>
-          <a:bodyPr wrap="square" lIns="0" tIns="0" rIns="0" bIns="0" rtlCol="0" anchor="t"/>
           <a:lstStyle/>
           <a:p>
             <a:pPr marL="0" indent="0">
@@ -3389,13 +3631,13 @@
             <a:r>
               <a:rPr lang="en-US" sz="2200" dirty="0">
                 <a:solidFill>
-                  <a:srgbClr val="C7CDD6"/>
+                  <a:srgbClr val="5E208E"/>
                 </a:solidFill>
                 <a:latin typeface="Instrument Sans Medium" pitchFamily="34" charset="0"/>
                 <a:ea typeface="Instrument Sans Medium" pitchFamily="34" charset="-122"/>
                 <a:cs typeface="Instrument Sans Medium" pitchFamily="34" charset="-120"/>
               </a:rPr>
-              <a:t>Automated Grade Tracking</a:t>
+              <a:t>Automated Processes</a:t>
             </a:r>
             <a:endParaRPr lang="en-US" sz="2200" dirty="0"/>
           </a:p>
@@ -3403,20 +3645,14 @@
       </p:sp>
       <p:sp>
         <p:nvSpPr>
-          <p:cNvPr id="11" name="Text 8">
-            <a:extLst>
-              <a:ext uri="{FF2B5EF4-FFF2-40B4-BE49-F238E27FC236}">
-                <a16:creationId xmlns:a16="http://schemas.microsoft.com/office/drawing/2014/main" id="{6563F6AC-F43C-B413-0675-644E7D7C7F7E}"/>
-              </a:ext>
-            </a:extLst>
-          </p:cNvPr>
-          <p:cNvSpPr/>
-          <p:nvPr/>
-        </p:nvSpPr>
-        <p:spPr>
-          <a:xfrm>
-            <a:off x="5422583" y="4636294"/>
-            <a:ext cx="2927747" cy="1814513"/>
+          <p:cNvPr id="8" name="Text 6"/>
+          <p:cNvSpPr/>
+          <p:nvPr/>
+        </p:nvSpPr>
+        <p:spPr>
+          <a:xfrm>
+            <a:off x="7655481" y="3629978"/>
+            <a:ext cx="5954435" cy="725805"/>
           </a:xfrm>
           <a:prstGeom prst="rect">
             <a:avLst/>
@@ -3437,24 +3673,285 @@
             <a:r>
               <a:rPr lang="en-US" sz="1750" dirty="0">
                 <a:solidFill>
-                  <a:srgbClr val="C7CDD6"/>
+                  <a:srgbClr val="B05EF1"/>
                 </a:solidFill>
                 <a:latin typeface="Inter" pitchFamily="34" charset="0"/>
                 <a:ea typeface="Inter" pitchFamily="34" charset="-122"/>
                 <a:cs typeface="Inter" pitchFamily="34" charset="-120"/>
               </a:rPr>
-              <a:t>The system tracks student grades in real-time, providing comprehensive insights into academic performance.</a:t>
+              <a:t>Streamlines tasks like eligibility checks, grade tracking, and certificate generation, reducing manual work.</a:t>
             </a:r>
             <a:endParaRPr lang="en-US" sz="1750" dirty="0"/>
           </a:p>
         </p:txBody>
       </p:sp>
+      <p:sp>
+        <p:nvSpPr>
+          <p:cNvPr id="9" name="Shape 7"/>
+          <p:cNvSpPr/>
+          <p:nvPr/>
+        </p:nvSpPr>
+        <p:spPr>
+          <a:xfrm>
+            <a:off x="793790" y="4809411"/>
+            <a:ext cx="6408063" cy="1669852"/>
+          </a:xfrm>
+          <a:prstGeom prst="roundRect">
+            <a:avLst>
+              <a:gd name="adj" fmla="val 2038"/>
+            </a:avLst>
+          </a:prstGeom>
+          <a:solidFill>
+            <a:srgbClr val="F2F2F2"/>
+          </a:solidFill>
+          <a:ln/>
+        </p:spPr>
+      </p:sp>
+      <p:sp>
+        <p:nvSpPr>
+          <p:cNvPr id="10" name="Text 8"/>
+          <p:cNvSpPr/>
+          <p:nvPr/>
+        </p:nvSpPr>
+        <p:spPr>
+          <a:xfrm>
+            <a:off x="1020604" y="5036225"/>
+            <a:ext cx="2835235" cy="354330"/>
+          </a:xfrm>
+          <a:prstGeom prst="rect">
+            <a:avLst/>
+          </a:prstGeom>
+          <a:noFill/>
+          <a:ln/>
+        </p:spPr>
+        <p:txBody>
+          <a:bodyPr wrap="none" lIns="0" tIns="0" rIns="0" bIns="0" rtlCol="0" anchor="t"/>
+          <a:lstStyle/>
+          <a:p>
+            <a:pPr marL="0" indent="0">
+              <a:lnSpc>
+                <a:spcPts val="2750"/>
+              </a:lnSpc>
+              <a:buNone/>
+            </a:pPr>
+            <a:r>
+              <a:rPr lang="en-US" sz="2200" dirty="0">
+                <a:solidFill>
+                  <a:srgbClr val="5E208E"/>
+                </a:solidFill>
+                <a:latin typeface="Instrument Sans Medium" pitchFamily="34" charset="0"/>
+                <a:ea typeface="Instrument Sans Medium" pitchFamily="34" charset="-122"/>
+                <a:cs typeface="Instrument Sans Medium" pitchFamily="34" charset="-120"/>
+              </a:rPr>
+              <a:t>Data Integrity</a:t>
+            </a:r>
+            <a:endParaRPr lang="en-US" sz="2200" dirty="0"/>
+          </a:p>
+        </p:txBody>
+      </p:sp>
+      <p:sp>
+        <p:nvSpPr>
+          <p:cNvPr id="11" name="Text 9"/>
+          <p:cNvSpPr/>
+          <p:nvPr/>
+        </p:nvSpPr>
+        <p:spPr>
+          <a:xfrm>
+            <a:off x="1020604" y="5526643"/>
+            <a:ext cx="5954435" cy="725805"/>
+          </a:xfrm>
+          <a:prstGeom prst="rect">
+            <a:avLst/>
+          </a:prstGeom>
+          <a:noFill/>
+          <a:ln/>
+        </p:spPr>
+        <p:txBody>
+          <a:bodyPr wrap="square" lIns="0" tIns="0" rIns="0" bIns="0" rtlCol="0" anchor="t"/>
+          <a:lstStyle/>
+          <a:p>
+            <a:pPr marL="0" indent="0">
+              <a:lnSpc>
+                <a:spcPts val="2850"/>
+              </a:lnSpc>
+              <a:buNone/>
+            </a:pPr>
+            <a:r>
+              <a:rPr lang="en-US" sz="1750" dirty="0">
+                <a:solidFill>
+                  <a:srgbClr val="B05EF1"/>
+                </a:solidFill>
+                <a:latin typeface="Inter" pitchFamily="34" charset="0"/>
+                <a:ea typeface="Inter" pitchFamily="34" charset="-122"/>
+                <a:cs typeface="Inter" pitchFamily="34" charset="-120"/>
+              </a:rPr>
+              <a:t>Ensures consistent and accurate data across the system, eliminating inconsistencies and errors.</a:t>
+            </a:r>
+            <a:endParaRPr lang="en-US" sz="1750" dirty="0"/>
+          </a:p>
+        </p:txBody>
+      </p:sp>
+      <p:sp>
+        <p:nvSpPr>
+          <p:cNvPr id="12" name="Shape 10"/>
+          <p:cNvSpPr/>
+          <p:nvPr/>
+        </p:nvSpPr>
+        <p:spPr>
+          <a:xfrm>
+            <a:off x="7428667" y="4809411"/>
+            <a:ext cx="6408063" cy="1669852"/>
+          </a:xfrm>
+          <a:prstGeom prst="roundRect">
+            <a:avLst>
+              <a:gd name="adj" fmla="val 2038"/>
+            </a:avLst>
+          </a:prstGeom>
+          <a:solidFill>
+            <a:srgbClr val="F2F2F2"/>
+          </a:solidFill>
+          <a:ln/>
+        </p:spPr>
+      </p:sp>
+      <p:sp>
+        <p:nvSpPr>
+          <p:cNvPr id="13" name="Text 11"/>
+          <p:cNvSpPr/>
+          <p:nvPr/>
+        </p:nvSpPr>
+        <p:spPr>
+          <a:xfrm>
+            <a:off x="7655481" y="5036225"/>
+            <a:ext cx="2835235" cy="354330"/>
+          </a:xfrm>
+          <a:prstGeom prst="rect">
+            <a:avLst/>
+          </a:prstGeom>
+          <a:noFill/>
+          <a:ln/>
+        </p:spPr>
+        <p:txBody>
+          <a:bodyPr wrap="none" lIns="0" tIns="0" rIns="0" bIns="0" rtlCol="0" anchor="t"/>
+          <a:lstStyle/>
+          <a:p>
+            <a:pPr marL="0" indent="0">
+              <a:lnSpc>
+                <a:spcPts val="2750"/>
+              </a:lnSpc>
+              <a:buNone/>
+            </a:pPr>
+            <a:r>
+              <a:rPr lang="en-US" sz="2200" dirty="0">
+                <a:solidFill>
+                  <a:srgbClr val="5E208E"/>
+                </a:solidFill>
+                <a:latin typeface="Instrument Sans Medium" pitchFamily="34" charset="0"/>
+                <a:ea typeface="Instrument Sans Medium" pitchFamily="34" charset="-122"/>
+                <a:cs typeface="Instrument Sans Medium" pitchFamily="34" charset="-120"/>
+              </a:rPr>
+              <a:t>Improved Efficiency</a:t>
+            </a:r>
+            <a:endParaRPr lang="en-US" sz="2200" dirty="0"/>
+          </a:p>
+        </p:txBody>
+      </p:sp>
+      <p:sp>
+        <p:nvSpPr>
+          <p:cNvPr id="14" name="Text 12"/>
+          <p:cNvSpPr/>
+          <p:nvPr/>
+        </p:nvSpPr>
+        <p:spPr>
+          <a:xfrm>
+            <a:off x="7655481" y="5526643"/>
+            <a:ext cx="5954435" cy="725805"/>
+          </a:xfrm>
+          <a:prstGeom prst="rect">
+            <a:avLst/>
+          </a:prstGeom>
+          <a:noFill/>
+          <a:ln/>
+        </p:spPr>
+        <p:txBody>
+          <a:bodyPr wrap="square" lIns="0" tIns="0" rIns="0" bIns="0" rtlCol="0" anchor="t"/>
+          <a:lstStyle/>
+          <a:p>
+            <a:pPr marL="0" indent="0">
+              <a:lnSpc>
+                <a:spcPts val="2850"/>
+              </a:lnSpc>
+              <a:buNone/>
+            </a:pPr>
+            <a:r>
+              <a:rPr lang="en-US" sz="1750" dirty="0">
+                <a:solidFill>
+                  <a:srgbClr val="B05EF1"/>
+                </a:solidFill>
+                <a:latin typeface="Inter" pitchFamily="34" charset="0"/>
+                <a:ea typeface="Inter" pitchFamily="34" charset="-122"/>
+                <a:cs typeface="Inter" pitchFamily="34" charset="-120"/>
+              </a:rPr>
+              <a:t>Saves time, reduces manual errors, and increases overall efficiency for the institution.</a:t>
+            </a:r>
+            <a:endParaRPr lang="en-US" sz="1750" dirty="0"/>
+          </a:p>
+        </p:txBody>
+      </p:sp>
+      <p:sp>
+        <p:nvSpPr>
+          <p:cNvPr id="15" name="Rectangle 14">
+            <a:extLst>
+              <a:ext uri="{FF2B5EF4-FFF2-40B4-BE49-F238E27FC236}">
+                <a16:creationId xmlns:a16="http://schemas.microsoft.com/office/drawing/2014/main" id="{0B802019-6B8A-29EA-BC63-0050BA32F6DA}"/>
+              </a:ext>
+            </a:extLst>
+          </p:cNvPr>
+          <p:cNvSpPr/>
+          <p:nvPr/>
+        </p:nvSpPr>
+        <p:spPr>
+          <a:xfrm>
+            <a:off x="12684868" y="7538936"/>
+            <a:ext cx="1945532" cy="690664"/>
+          </a:xfrm>
+          <a:prstGeom prst="rect">
+            <a:avLst/>
+          </a:prstGeom>
+          <a:solidFill>
+            <a:schemeClr val="bg1"/>
+          </a:solidFill>
+          <a:ln>
+            <a:solidFill>
+              <a:schemeClr val="bg1"/>
+            </a:solidFill>
+          </a:ln>
+        </p:spPr>
+        <p:style>
+          <a:lnRef idx="2">
+            <a:schemeClr val="accent1">
+              <a:shade val="15000"/>
+            </a:schemeClr>
+          </a:lnRef>
+          <a:fillRef idx="1">
+            <a:schemeClr val="accent1"/>
+          </a:fillRef>
+          <a:effectRef idx="0">
+            <a:schemeClr val="accent1"/>
+          </a:effectRef>
+          <a:fontRef idx="minor">
+            <a:schemeClr val="lt1"/>
+          </a:fontRef>
+        </p:style>
+        <p:txBody>
+          <a:bodyPr rtlCol="0" anchor="ctr"/>
+          <a:lstStyle/>
+          <a:p>
+            <a:pPr algn="ctr"/>
+            <a:endParaRPr lang="en-US"/>
+          </a:p>
+        </p:txBody>
+      </p:sp>
     </p:spTree>
-    <p:extLst>
-      <p:ext uri="{BB962C8B-B14F-4D97-AF65-F5344CB8AC3E}">
-        <p14:creationId xmlns:p14="http://schemas.microsoft.com/office/powerpoint/2010/main" val="3528491479"/>
-      </p:ext>
-    </p:extLst>
   </p:cSld>
   <p:clrMapOvr>
     <a:masterClrMapping/>
@@ -3464,7 +3961,7 @@
 
 <file path=ppt/slides/slide5.xml><?xml version="1.0" encoding="utf-8"?>
 <p:sld xmlns:a="http://schemas.openxmlformats.org/drawingml/2006/main" xmlns:r="http://schemas.openxmlformats.org/officeDocument/2006/relationships" xmlns:p="http://schemas.openxmlformats.org/presentationml/2006/main">
-  <p:cSld name="Slide 4">
+  <p:cSld name="Slide 5">
     <p:spTree>
       <p:nvGrpSpPr>
         <p:cNvPr id="1" name=""/>
@@ -3511,8 +4008,8 @@
         </p:nvSpPr>
         <p:spPr>
           <a:xfrm>
-            <a:off x="793790" y="2358509"/>
-            <a:ext cx="5670590" cy="708779"/>
+            <a:off x="771049" y="777716"/>
+            <a:ext cx="5507474" cy="688419"/>
           </a:xfrm>
           <a:prstGeom prst="rect">
             <a:avLst/>
@@ -3526,22 +4023,22 @@
           <a:p>
             <a:pPr marL="0" indent="0">
               <a:lnSpc>
-                <a:spcPts val="5550"/>
+                <a:spcPts val="5400"/>
               </a:lnSpc>
               <a:buNone/>
             </a:pPr>
             <a:r>
-              <a:rPr lang="en-US" sz="4450" dirty="0">
+              <a:rPr lang="en-US" sz="4300" dirty="0">
                 <a:solidFill>
-                  <a:srgbClr val="EFD5FA"/>
+                  <a:srgbClr val="5E208E"/>
                 </a:solidFill>
                 <a:latin typeface="Instrument Sans Medium" pitchFamily="34" charset="0"/>
                 <a:ea typeface="Instrument Sans Medium" pitchFamily="34" charset="-122"/>
                 <a:cs typeface="Instrument Sans Medium" pitchFamily="34" charset="-120"/>
               </a:rPr>
-              <a:t>Features Overview</a:t>
+              <a:t> Features Overview</a:t>
             </a:r>
-            <a:endParaRPr lang="en-US" sz="4450" dirty="0"/>
+            <a:endParaRPr lang="en-US" sz="4300" dirty="0"/>
           </a:p>
         </p:txBody>
       </p:sp>
@@ -3553,8 +4050,8 @@
         </p:nvSpPr>
         <p:spPr>
           <a:xfrm>
-            <a:off x="793790" y="3634264"/>
-            <a:ext cx="2835235" cy="354330"/>
+            <a:off x="771049" y="2016800"/>
+            <a:ext cx="3699391" cy="344210"/>
           </a:xfrm>
           <a:prstGeom prst="rect">
             <a:avLst/>
@@ -3564,6 +4061,48 @@
         </p:spPr>
         <p:txBody>
           <a:bodyPr wrap="none" lIns="0" tIns="0" rIns="0" bIns="0" rtlCol="0" anchor="t"/>
+          <a:lstStyle/>
+          <a:p>
+            <a:pPr marL="0" indent="0">
+              <a:lnSpc>
+                <a:spcPts val="2700"/>
+              </a:lnSpc>
+              <a:buNone/>
+            </a:pPr>
+            <a:r>
+              <a:rPr lang="en-US" sz="2150" dirty="0">
+                <a:solidFill>
+                  <a:srgbClr val="5E208E"/>
+                </a:solidFill>
+                <a:latin typeface="Instrument Sans Medium" pitchFamily="34" charset="0"/>
+                <a:ea typeface="Instrument Sans Medium" pitchFamily="34" charset="-122"/>
+                <a:cs typeface="Instrument Sans Medium" pitchFamily="34" charset="-120"/>
+              </a:rPr>
+              <a:t>1.Student Data Management:</a:t>
+            </a:r>
+            <a:endParaRPr lang="en-US" sz="2150" dirty="0"/>
+          </a:p>
+        </p:txBody>
+      </p:sp>
+      <p:sp>
+        <p:nvSpPr>
+          <p:cNvPr id="5" name="Text 2"/>
+          <p:cNvSpPr/>
+          <p:nvPr/>
+        </p:nvSpPr>
+        <p:spPr>
+          <a:xfrm>
+            <a:off x="771049" y="2581275"/>
+            <a:ext cx="3776305" cy="1409700"/>
+          </a:xfrm>
+          <a:prstGeom prst="rect">
+            <a:avLst/>
+          </a:prstGeom>
+          <a:noFill/>
+          <a:ln/>
+        </p:spPr>
+        <p:txBody>
+          <a:bodyPr wrap="square" lIns="0" tIns="0" rIns="0" bIns="0" rtlCol="0" anchor="t"/>
           <a:lstStyle/>
           <a:p>
             <a:pPr marL="0" indent="0">
@@ -3573,30 +4112,83 @@
               <a:buNone/>
             </a:pPr>
             <a:r>
-              <a:rPr lang="en-US" sz="2200" dirty="0">
+              <a:rPr lang="en-US" sz="1700" dirty="0">
                 <a:solidFill>
-                  <a:srgbClr val="EFD5FA"/>
+                  <a:srgbClr val="B05EF1"/>
+                </a:solidFill>
+                <a:latin typeface="Inter" pitchFamily="34" charset="0"/>
+                <a:ea typeface="Inter" pitchFamily="34" charset="-122"/>
+                <a:cs typeface="Inter" pitchFamily="34" charset="-120"/>
+              </a:rPr>
+              <a:t>Easily input, organize, and manage student information, including personal details, academic progress, and payment records</a:t>
+            </a:r>
+            <a:r>
+              <a:rPr lang="en-US" sz="1700" dirty="0">
+                <a:solidFill>
+                  <a:srgbClr val="000000"/>
+                </a:solidFill>
+                <a:latin typeface="Inter" pitchFamily="34" charset="0"/>
+                <a:ea typeface="Inter" pitchFamily="34" charset="-122"/>
+                <a:cs typeface="Inter" pitchFamily="34" charset="-120"/>
+              </a:rPr>
+              <a:t>.</a:t>
+            </a:r>
+            <a:endParaRPr lang="en-US" sz="1700" dirty="0"/>
+          </a:p>
+        </p:txBody>
+      </p:sp>
+      <p:sp>
+        <p:nvSpPr>
+          <p:cNvPr id="6" name="Text 3"/>
+          <p:cNvSpPr/>
+          <p:nvPr/>
+        </p:nvSpPr>
+        <p:spPr>
+          <a:xfrm>
+            <a:off x="5092422" y="2016800"/>
+            <a:ext cx="2810589" cy="344210"/>
+          </a:xfrm>
+          <a:prstGeom prst="rect">
+            <a:avLst/>
+          </a:prstGeom>
+          <a:noFill/>
+          <a:ln/>
+        </p:spPr>
+        <p:txBody>
+          <a:bodyPr wrap="none" lIns="0" tIns="0" rIns="0" bIns="0" rtlCol="0" anchor="t"/>
+          <a:lstStyle/>
+          <a:p>
+            <a:pPr marL="0" indent="0">
+              <a:lnSpc>
+                <a:spcPts val="2700"/>
+              </a:lnSpc>
+              <a:buNone/>
+            </a:pPr>
+            <a:r>
+              <a:rPr lang="en-US" sz="2150" dirty="0">
+                <a:solidFill>
+                  <a:srgbClr val="5E208E"/>
                 </a:solidFill>
                 <a:latin typeface="Instrument Sans Medium" pitchFamily="34" charset="0"/>
                 <a:ea typeface="Instrument Sans Medium" pitchFamily="34" charset="-122"/>
                 <a:cs typeface="Instrument Sans Medium" pitchFamily="34" charset="-120"/>
               </a:rPr>
-              <a:t>Seamless Integration</a:t>
+              <a:t>2.Certificate Issuance:</a:t>
             </a:r>
-            <a:endParaRPr lang="en-US" sz="2200" dirty="0"/>
-          </a:p>
-        </p:txBody>
-      </p:sp>
-      <p:sp>
-        <p:nvSpPr>
-          <p:cNvPr id="5" name="Text 2"/>
-          <p:cNvSpPr/>
-          <p:nvPr/>
-        </p:nvSpPr>
-        <p:spPr>
-          <a:xfrm>
-            <a:off x="793790" y="4215408"/>
-            <a:ext cx="3501509" cy="1451610"/>
+            <a:endParaRPr lang="en-US" sz="2150" dirty="0"/>
+          </a:p>
+        </p:txBody>
+      </p:sp>
+      <p:sp>
+        <p:nvSpPr>
+          <p:cNvPr id="7" name="Text 4"/>
+          <p:cNvSpPr/>
+          <p:nvPr/>
+        </p:nvSpPr>
+        <p:spPr>
+          <a:xfrm>
+            <a:off x="5092422" y="2581275"/>
+            <a:ext cx="3288030" cy="1409700"/>
           </a:xfrm>
           <a:prstGeom prst="rect">
             <a:avLst/>
@@ -3606,48 +4198,6 @@
         </p:spPr>
         <p:txBody>
           <a:bodyPr wrap="square" lIns="0" tIns="0" rIns="0" bIns="0" rtlCol="0" anchor="t"/>
-          <a:lstStyle/>
-          <a:p>
-            <a:pPr marL="0" indent="0">
-              <a:lnSpc>
-                <a:spcPts val="2850"/>
-              </a:lnSpc>
-              <a:buNone/>
-            </a:pPr>
-            <a:r>
-              <a:rPr lang="en-US" sz="1750" dirty="0">
-                <a:solidFill>
-                  <a:srgbClr val="C7CDD6"/>
-                </a:solidFill>
-                <a:latin typeface="Inter" pitchFamily="34" charset="0"/>
-                <a:ea typeface="Inter" pitchFamily="34" charset="-122"/>
-                <a:cs typeface="Inter" pitchFamily="34" charset="-120"/>
-              </a:rPr>
-              <a:t>The system integrates with existing student information systems (SIS) for effortless data exchange.</a:t>
-            </a:r>
-            <a:endParaRPr lang="en-US" sz="1750" dirty="0"/>
-          </a:p>
-        </p:txBody>
-      </p:sp>
-      <p:sp>
-        <p:nvSpPr>
-          <p:cNvPr id="6" name="Text 3"/>
-          <p:cNvSpPr/>
-          <p:nvPr/>
-        </p:nvSpPr>
-        <p:spPr>
-          <a:xfrm>
-            <a:off x="4856321" y="3634264"/>
-            <a:ext cx="3248858" cy="354330"/>
-          </a:xfrm>
-          <a:prstGeom prst="rect">
-            <a:avLst/>
-          </a:prstGeom>
-          <a:noFill/>
-          <a:ln/>
-        </p:spPr>
-        <p:txBody>
-          <a:bodyPr wrap="none" lIns="0" tIns="0" rIns="0" bIns="0" rtlCol="0" anchor="t"/>
           <a:lstStyle/>
           <a:p>
             <a:pPr marL="0" indent="0">
@@ -3657,59 +4207,175 @@
               <a:buNone/>
             </a:pPr>
             <a:r>
-              <a:rPr lang="en-US" sz="2200" dirty="0">
+              <a:rPr lang="en-US" sz="1700" dirty="0">
                 <a:solidFill>
-                  <a:srgbClr val="EFD5FA"/>
-                </a:solidFill>
-                <a:latin typeface="Instrument Sans Medium" pitchFamily="34" charset="0"/>
-                <a:ea typeface="Instrument Sans Medium" pitchFamily="34" charset="-122"/>
-                <a:cs typeface="Instrument Sans Medium" pitchFamily="34" charset="-120"/>
-              </a:rPr>
-              <a:t>Customizable Templates</a:t>
-            </a:r>
-            <a:endParaRPr lang="en-US" sz="2200" dirty="0"/>
-          </a:p>
-        </p:txBody>
-      </p:sp>
-      <p:sp>
-        <p:nvSpPr>
-          <p:cNvPr id="7" name="Text 4"/>
-          <p:cNvSpPr/>
-          <p:nvPr/>
-        </p:nvSpPr>
-        <p:spPr>
-          <a:xfrm>
-            <a:off x="4856321" y="4215408"/>
-            <a:ext cx="3501509" cy="1451610"/>
-          </a:xfrm>
-          <a:prstGeom prst="rect">
-            <a:avLst/>
-          </a:prstGeom>
-          <a:noFill/>
-          <a:ln/>
-        </p:spPr>
-        <p:txBody>
-          <a:bodyPr wrap="square" lIns="0" tIns="0" rIns="0" bIns="0" rtlCol="0" anchor="t"/>
-          <a:lstStyle/>
-          <a:p>
-            <a:pPr marL="0" indent="0">
-              <a:lnSpc>
-                <a:spcPts val="2850"/>
-              </a:lnSpc>
-              <a:buNone/>
-            </a:pPr>
-            <a:r>
-              <a:rPr lang="en-US" sz="1750" dirty="0">
-                <a:solidFill>
-                  <a:srgbClr val="C7CDD6"/>
+                  <a:srgbClr val="B05EF1"/>
                 </a:solidFill>
                 <a:latin typeface="Inter" pitchFamily="34" charset="0"/>
                 <a:ea typeface="Inter" pitchFamily="34" charset="-122"/>
                 <a:cs typeface="Inter" pitchFamily="34" charset="-120"/>
               </a:rPr>
-              <a:t>Generate professional certificates with customizable templates that align with your institution's branding.</a:t>
+              <a:t>Automatically generates certificates for students who meet all financial and academic requirements.</a:t>
             </a:r>
-            <a:endParaRPr lang="en-US" sz="1750" dirty="0"/>
+            <a:endParaRPr lang="en-US" sz="1700" dirty="0"/>
+          </a:p>
+        </p:txBody>
+      </p:sp>
+      <p:sp>
+        <p:nvSpPr>
+          <p:cNvPr id="8" name="Text 5"/>
+          <p:cNvSpPr/>
+          <p:nvPr/>
+        </p:nvSpPr>
+        <p:spPr>
+          <a:xfrm>
+            <a:off x="771049" y="4519613"/>
+            <a:ext cx="2753678" cy="344210"/>
+          </a:xfrm>
+          <a:prstGeom prst="rect">
+            <a:avLst/>
+          </a:prstGeom>
+          <a:noFill/>
+          <a:ln/>
+        </p:spPr>
+        <p:txBody>
+          <a:bodyPr wrap="none" lIns="0" tIns="0" rIns="0" bIns="0" rtlCol="0" anchor="t"/>
+          <a:lstStyle/>
+          <a:p>
+            <a:pPr marL="0" indent="0">
+              <a:lnSpc>
+                <a:spcPts val="2700"/>
+              </a:lnSpc>
+              <a:buNone/>
+            </a:pPr>
+            <a:endParaRPr lang="en-US" sz="2150" dirty="0"/>
+          </a:p>
+        </p:txBody>
+      </p:sp>
+      <p:sp>
+        <p:nvSpPr>
+          <p:cNvPr id="9" name="Text 6"/>
+          <p:cNvSpPr/>
+          <p:nvPr/>
+        </p:nvSpPr>
+        <p:spPr>
+          <a:xfrm>
+            <a:off x="771049" y="5194221"/>
+            <a:ext cx="7601902" cy="1057275"/>
+          </a:xfrm>
+          <a:prstGeom prst="rect">
+            <a:avLst/>
+          </a:prstGeom>
+          <a:noFill/>
+          <a:ln/>
+        </p:spPr>
+        <p:txBody>
+          <a:bodyPr wrap="square" lIns="0" tIns="0" rIns="0" bIns="0" rtlCol="0" anchor="t"/>
+          <a:lstStyle/>
+          <a:p>
+            <a:pPr marL="0" indent="0">
+              <a:lnSpc>
+                <a:spcPts val="2750"/>
+              </a:lnSpc>
+              <a:buNone/>
+            </a:pPr>
+            <a:r>
+              <a:rPr lang="en-US" sz="1700" b="1" dirty="0">
+                <a:solidFill>
+                  <a:srgbClr val="5E208E"/>
+                </a:solidFill>
+                <a:latin typeface="Inter" pitchFamily="34" charset="0"/>
+                <a:ea typeface="Inter" pitchFamily="34" charset="-122"/>
+                <a:cs typeface="Inter" pitchFamily="34" charset="-120"/>
+              </a:rPr>
+              <a:t>3.User-Friendly Interface:</a:t>
+            </a:r>
+            <a:r>
+              <a:rPr lang="en-US" sz="1700" dirty="0">
+                <a:solidFill>
+                  <a:srgbClr val="000000"/>
+                </a:solidFill>
+                <a:latin typeface="Inter" pitchFamily="34" charset="0"/>
+                <a:ea typeface="Inter" pitchFamily="34" charset="-122"/>
+                <a:cs typeface="Inter" pitchFamily="34" charset="-120"/>
+              </a:rPr>
+              <a:t>
+</a:t>
+            </a:r>
+            <a:r>
+              <a:rPr lang="en-US" sz="1700" dirty="0">
+                <a:solidFill>
+                  <a:srgbClr val="B05EF1"/>
+                </a:solidFill>
+                <a:latin typeface="Inter" pitchFamily="34" charset="0"/>
+                <a:ea typeface="Inter" pitchFamily="34" charset="-122"/>
+                <a:cs typeface="Inter" pitchFamily="34" charset="-120"/>
+              </a:rPr>
+              <a:t>Intuitive design for easy navigation by users with varying levels of technical expertise.</a:t>
+            </a:r>
+            <a:endParaRPr lang="en-US" sz="1700" dirty="0"/>
+          </a:p>
+        </p:txBody>
+      </p:sp>
+      <p:sp>
+        <p:nvSpPr>
+          <p:cNvPr id="10" name="Text 7"/>
+          <p:cNvSpPr/>
+          <p:nvPr/>
+        </p:nvSpPr>
+        <p:spPr>
+          <a:xfrm>
+            <a:off x="771049" y="6499265"/>
+            <a:ext cx="7601902" cy="352425"/>
+          </a:xfrm>
+          <a:prstGeom prst="rect">
+            <a:avLst/>
+          </a:prstGeom>
+          <a:noFill/>
+          <a:ln/>
+        </p:spPr>
+        <p:txBody>
+          <a:bodyPr wrap="none" lIns="0" tIns="0" rIns="0" bIns="0" rtlCol="0" anchor="t"/>
+          <a:lstStyle/>
+          <a:p>
+            <a:pPr marL="0" indent="0">
+              <a:lnSpc>
+                <a:spcPts val="2750"/>
+              </a:lnSpc>
+              <a:buNone/>
+            </a:pPr>
+            <a:endParaRPr lang="en-US" sz="1700" dirty="0"/>
+          </a:p>
+        </p:txBody>
+      </p:sp>
+      <p:sp>
+        <p:nvSpPr>
+          <p:cNvPr id="11" name="Text 8"/>
+          <p:cNvSpPr/>
+          <p:nvPr/>
+        </p:nvSpPr>
+        <p:spPr>
+          <a:xfrm>
+            <a:off x="771049" y="7099459"/>
+            <a:ext cx="7601902" cy="352425"/>
+          </a:xfrm>
+          <a:prstGeom prst="rect">
+            <a:avLst/>
+          </a:prstGeom>
+          <a:noFill/>
+          <a:ln/>
+        </p:spPr>
+        <p:txBody>
+          <a:bodyPr wrap="none" lIns="0" tIns="0" rIns="0" bIns="0" rtlCol="0" anchor="t"/>
+          <a:lstStyle/>
+          <a:p>
+            <a:pPr marL="0" indent="0">
+              <a:lnSpc>
+                <a:spcPts val="2750"/>
+              </a:lnSpc>
+              <a:buNone/>
+            </a:pPr>
+            <a:endParaRPr lang="en-US" sz="1700" dirty="0"/>
           </a:p>
         </p:txBody>
       </p:sp>
@@ -3723,1311 +4389,7 @@
 
 <file path=ppt/slides/slide6.xml><?xml version="1.0" encoding="utf-8"?>
 <p:sld xmlns:a="http://schemas.openxmlformats.org/drawingml/2006/main" xmlns:r="http://schemas.openxmlformats.org/officeDocument/2006/relationships" xmlns:p="http://schemas.openxmlformats.org/presentationml/2006/main">
-  <p:cSld name="Slide 5">
-    <p:spTree>
-      <p:nvGrpSpPr>
-        <p:cNvPr id="1" name=""/>
-        <p:cNvGrpSpPr/>
-        <p:nvPr/>
-      </p:nvGrpSpPr>
-      <p:grpSpPr>
-        <a:xfrm>
-          <a:off x="0" y="0"/>
-          <a:ext cx="0" cy="0"/>
-          <a:chOff x="0" y="0"/>
-          <a:chExt cx="0" cy="0"/>
-        </a:xfrm>
-      </p:grpSpPr>
-      <p:sp>
-        <p:nvSpPr>
-          <p:cNvPr id="2" name="Text 0"/>
-          <p:cNvSpPr/>
-          <p:nvPr/>
-        </p:nvSpPr>
-        <p:spPr>
-          <a:xfrm>
-            <a:off x="793790" y="1198840"/>
-            <a:ext cx="7197804" cy="708779"/>
-          </a:xfrm>
-          <a:prstGeom prst="rect">
-            <a:avLst/>
-          </a:prstGeom>
-          <a:noFill/>
-          <a:ln/>
-        </p:spPr>
-        <p:txBody>
-          <a:bodyPr wrap="none" lIns="0" tIns="0" rIns="0" bIns="0" rtlCol="0" anchor="t"/>
-          <a:lstStyle/>
-          <a:p>
-            <a:pPr marL="0" indent="0">
-              <a:lnSpc>
-                <a:spcPts val="5550"/>
-              </a:lnSpc>
-              <a:buNone/>
-            </a:pPr>
-            <a:r>
-              <a:rPr lang="en-US" sz="4450" dirty="0">
-                <a:solidFill>
-                  <a:srgbClr val="EFD5FA"/>
-                </a:solidFill>
-                <a:latin typeface="Instrument Sans Medium" pitchFamily="34" charset="0"/>
-                <a:ea typeface="Instrument Sans Medium" pitchFamily="34" charset="-122"/>
-                <a:cs typeface="Instrument Sans Medium" pitchFamily="34" charset="-120"/>
-              </a:rPr>
-              <a:t>User Roles and Permissions</a:t>
-            </a:r>
-            <a:endParaRPr lang="en-US" sz="4450" dirty="0"/>
-          </a:p>
-        </p:txBody>
-      </p:sp>
-      <p:sp>
-        <p:nvSpPr>
-          <p:cNvPr id="3" name="Text 1"/>
-          <p:cNvSpPr/>
-          <p:nvPr/>
-        </p:nvSpPr>
-        <p:spPr>
-          <a:xfrm>
-            <a:off x="793790" y="2327077"/>
-            <a:ext cx="6244709" cy="725805"/>
-          </a:xfrm>
-          <a:prstGeom prst="rect">
-            <a:avLst/>
-          </a:prstGeom>
-          <a:noFill/>
-          <a:ln/>
-        </p:spPr>
-        <p:txBody>
-          <a:bodyPr wrap="square" lIns="0" tIns="0" rIns="0" bIns="0" rtlCol="0" anchor="t"/>
-          <a:lstStyle/>
-          <a:p>
-            <a:pPr marL="342900" indent="-342900" algn="l">
-              <a:lnSpc>
-                <a:spcPts val="2850"/>
-              </a:lnSpc>
-              <a:buSzPct val="100000"/>
-              <a:buChar char="•"/>
-            </a:pPr>
-            <a:r>
-              <a:rPr lang="en-US" sz="1750" dirty="0">
-                <a:solidFill>
-                  <a:srgbClr val="C7CDD6"/>
-                </a:solidFill>
-                <a:latin typeface="Inter" pitchFamily="34" charset="0"/>
-                <a:ea typeface="Inter" pitchFamily="34" charset="-122"/>
-                <a:cs typeface="Inter" pitchFamily="34" charset="-120"/>
-              </a:rPr>
-              <a:t>Implements robust user roles and permissions to enhance data security and operational efficiency.</a:t>
-            </a:r>
-            <a:endParaRPr lang="en-US" sz="1750" dirty="0"/>
-          </a:p>
-        </p:txBody>
-      </p:sp>
-      <p:sp>
-        <p:nvSpPr>
-          <p:cNvPr id="4" name="Text 2"/>
-          <p:cNvSpPr/>
-          <p:nvPr/>
-        </p:nvSpPr>
-        <p:spPr>
-          <a:xfrm>
-            <a:off x="793790" y="3132177"/>
-            <a:ext cx="6244709" cy="725805"/>
-          </a:xfrm>
-          <a:prstGeom prst="rect">
-            <a:avLst/>
-          </a:prstGeom>
-          <a:noFill/>
-          <a:ln/>
-        </p:spPr>
-        <p:txBody>
-          <a:bodyPr wrap="square" lIns="0" tIns="0" rIns="0" bIns="0" rtlCol="0" anchor="t"/>
-          <a:lstStyle/>
-          <a:p>
-            <a:pPr marL="342900" indent="-342900" algn="l">
-              <a:lnSpc>
-                <a:spcPts val="2850"/>
-              </a:lnSpc>
-              <a:buSzPct val="100000"/>
-              <a:buChar char="•"/>
-            </a:pPr>
-            <a:r>
-              <a:rPr lang="en-US" sz="1750" dirty="0">
-                <a:solidFill>
-                  <a:srgbClr val="C7CDD6"/>
-                </a:solidFill>
-                <a:latin typeface="Inter" pitchFamily="34" charset="0"/>
-                <a:ea typeface="Inter" pitchFamily="34" charset="-122"/>
-                <a:cs typeface="Inter" pitchFamily="34" charset="-120"/>
-              </a:rPr>
-              <a:t>Enforces access control to maintain data integrity and streamline workflows.</a:t>
-            </a:r>
-            <a:endParaRPr lang="en-US" sz="1750" dirty="0"/>
-          </a:p>
-        </p:txBody>
-      </p:sp>
-      <p:sp>
-        <p:nvSpPr>
-          <p:cNvPr id="5" name="Text 3"/>
-          <p:cNvSpPr/>
-          <p:nvPr/>
-        </p:nvSpPr>
-        <p:spPr>
-          <a:xfrm>
-            <a:off x="793790" y="3937278"/>
-            <a:ext cx="6244709" cy="725805"/>
-          </a:xfrm>
-          <a:prstGeom prst="rect">
-            <a:avLst/>
-          </a:prstGeom>
-          <a:noFill/>
-          <a:ln/>
-        </p:spPr>
-        <p:txBody>
-          <a:bodyPr wrap="square" lIns="0" tIns="0" rIns="0" bIns="0" rtlCol="0" anchor="t"/>
-          <a:lstStyle/>
-          <a:p>
-            <a:pPr marL="342900" indent="-342900" algn="l">
-              <a:lnSpc>
-                <a:spcPts val="2850"/>
-              </a:lnSpc>
-              <a:buSzPct val="100000"/>
-              <a:buChar char="•"/>
-            </a:pPr>
-            <a:r>
-              <a:rPr lang="en-US" sz="1750" dirty="0">
-                <a:solidFill>
-                  <a:srgbClr val="C7CDD6"/>
-                </a:solidFill>
-                <a:latin typeface="Inter" pitchFamily="34" charset="0"/>
-                <a:ea typeface="Inter" pitchFamily="34" charset="-122"/>
-                <a:cs typeface="Inter" pitchFamily="34" charset="-120"/>
-              </a:rPr>
-              <a:t>Assigns distinct levels of access to specific functionalities and data for different user roles.</a:t>
-            </a:r>
-            <a:endParaRPr lang="en-US" sz="1750" dirty="0"/>
-          </a:p>
-        </p:txBody>
-      </p:sp>
-      <p:sp>
-        <p:nvSpPr>
-          <p:cNvPr id="6" name="Text 4"/>
-          <p:cNvSpPr/>
-          <p:nvPr/>
-        </p:nvSpPr>
-        <p:spPr>
-          <a:xfrm>
-            <a:off x="793790" y="4742378"/>
-            <a:ext cx="6244709" cy="725805"/>
-          </a:xfrm>
-          <a:prstGeom prst="rect">
-            <a:avLst/>
-          </a:prstGeom>
-          <a:noFill/>
-          <a:ln/>
-        </p:spPr>
-        <p:txBody>
-          <a:bodyPr wrap="square" lIns="0" tIns="0" rIns="0" bIns="0" rtlCol="0" anchor="t"/>
-          <a:lstStyle/>
-          <a:p>
-            <a:pPr marL="342900" indent="-342900" algn="l">
-              <a:lnSpc>
-                <a:spcPts val="2850"/>
-              </a:lnSpc>
-              <a:buSzPct val="100000"/>
-              <a:buChar char="•"/>
-            </a:pPr>
-            <a:r>
-              <a:rPr lang="en-US" sz="1750" dirty="0">
-                <a:solidFill>
-                  <a:srgbClr val="C7CDD6"/>
-                </a:solidFill>
-                <a:latin typeface="Inter" pitchFamily="34" charset="0"/>
-                <a:ea typeface="Inter" pitchFamily="34" charset="-122"/>
-                <a:cs typeface="Inter" pitchFamily="34" charset="-120"/>
-              </a:rPr>
-              <a:t>Aligns access privileges with user responsibilities to ensure smooth operations.</a:t>
-            </a:r>
-            <a:endParaRPr lang="en-US" sz="1750" dirty="0"/>
-          </a:p>
-        </p:txBody>
-      </p:sp>
-      <p:sp>
-        <p:nvSpPr>
-          <p:cNvPr id="7" name="Text 5"/>
-          <p:cNvSpPr/>
-          <p:nvPr/>
-        </p:nvSpPr>
-        <p:spPr>
-          <a:xfrm>
-            <a:off x="793790" y="5547479"/>
-            <a:ext cx="6244709" cy="725805"/>
-          </a:xfrm>
-          <a:prstGeom prst="rect">
-            <a:avLst/>
-          </a:prstGeom>
-          <a:noFill/>
-          <a:ln/>
-        </p:spPr>
-        <p:txBody>
-          <a:bodyPr wrap="square" lIns="0" tIns="0" rIns="0" bIns="0" rtlCol="0" anchor="t"/>
-          <a:lstStyle/>
-          <a:p>
-            <a:pPr marL="342900" indent="-342900" algn="l">
-              <a:lnSpc>
-                <a:spcPts val="2850"/>
-              </a:lnSpc>
-              <a:buSzPct val="100000"/>
-              <a:buChar char="•"/>
-            </a:pPr>
-            <a:r>
-              <a:rPr lang="en-US" sz="1750" dirty="0">
-                <a:solidFill>
-                  <a:srgbClr val="C7CDD6"/>
-                </a:solidFill>
-                <a:latin typeface="Inter" pitchFamily="34" charset="0"/>
-                <a:ea typeface="Inter" pitchFamily="34" charset="-122"/>
-                <a:cs typeface="Inter" pitchFamily="34" charset="-120"/>
-              </a:rPr>
-              <a:t>Restricts unauthorized actions, allowing only authorized users to perform designated tasks.</a:t>
-            </a:r>
-            <a:endParaRPr lang="en-US" sz="1750" dirty="0"/>
-          </a:p>
-        </p:txBody>
-      </p:sp>
-      <p:pic>
-        <p:nvPicPr>
-          <p:cNvPr id="8" name="Image 0" descr="preencoded.png"/>
-          <p:cNvPicPr>
-            <a:picLocks noChangeAspect="1"/>
-          </p:cNvPicPr>
-          <p:nvPr/>
-        </p:nvPicPr>
-        <p:blipFill>
-          <a:blip r:embed="rId3"/>
-          <a:stretch>
-            <a:fillRect/>
-          </a:stretch>
-        </p:blipFill>
-        <p:spPr>
-          <a:xfrm>
-            <a:off x="7599521" y="2502932"/>
-            <a:ext cx="6244709" cy="4272677"/>
-          </a:xfrm>
-          <a:prstGeom prst="rect">
-            <a:avLst/>
-          </a:prstGeom>
-        </p:spPr>
-      </p:pic>
-    </p:spTree>
-  </p:cSld>
-  <p:clrMapOvr>
-    <a:masterClrMapping/>
-  </p:clrMapOvr>
-</p:sld>
-</file>
-
-<file path=ppt/slides/slide7.xml><?xml version="1.0" encoding="utf-8"?>
-<p:sld xmlns:a="http://schemas.openxmlformats.org/drawingml/2006/main" xmlns:r="http://schemas.openxmlformats.org/officeDocument/2006/relationships" xmlns:p="http://schemas.openxmlformats.org/presentationml/2006/main">
   <p:cSld name="Slide 6">
-    <p:spTree>
-      <p:nvGrpSpPr>
-        <p:cNvPr id="1" name=""/>
-        <p:cNvGrpSpPr/>
-        <p:nvPr/>
-      </p:nvGrpSpPr>
-      <p:grpSpPr>
-        <a:xfrm>
-          <a:off x="0" y="0"/>
-          <a:ext cx="0" cy="0"/>
-          <a:chOff x="0" y="0"/>
-          <a:chExt cx="0" cy="0"/>
-        </a:xfrm>
-      </p:grpSpPr>
-      <p:sp>
-        <p:nvSpPr>
-          <p:cNvPr id="2" name="Text 0"/>
-          <p:cNvSpPr/>
-          <p:nvPr/>
-        </p:nvSpPr>
-        <p:spPr>
-          <a:xfrm>
-            <a:off x="793790" y="1314926"/>
-            <a:ext cx="5670590" cy="708779"/>
-          </a:xfrm>
-          <a:prstGeom prst="rect">
-            <a:avLst/>
-          </a:prstGeom>
-          <a:noFill/>
-          <a:ln/>
-        </p:spPr>
-        <p:txBody>
-          <a:bodyPr wrap="none" lIns="0" tIns="0" rIns="0" bIns="0" rtlCol="0" anchor="t"/>
-          <a:lstStyle/>
-          <a:p>
-            <a:pPr marL="0" indent="0">
-              <a:lnSpc>
-                <a:spcPts val="5550"/>
-              </a:lnSpc>
-              <a:buNone/>
-            </a:pPr>
-            <a:r>
-              <a:rPr lang="en-US" sz="4450" dirty="0">
-                <a:solidFill>
-                  <a:srgbClr val="EFD5FA"/>
-                </a:solidFill>
-                <a:latin typeface="Instrument Sans Medium" pitchFamily="34" charset="0"/>
-                <a:ea typeface="Instrument Sans Medium" pitchFamily="34" charset="-122"/>
-                <a:cs typeface="Instrument Sans Medium" pitchFamily="34" charset="-120"/>
-              </a:rPr>
-              <a:t>Technology Stack</a:t>
-            </a:r>
-            <a:endParaRPr lang="en-US" sz="4450" dirty="0"/>
-          </a:p>
-        </p:txBody>
-      </p:sp>
-      <p:pic>
-        <p:nvPicPr>
-          <p:cNvPr id="3" name="Image 0" descr="preencoded.png"/>
-          <p:cNvPicPr>
-            <a:picLocks noChangeAspect="1"/>
-          </p:cNvPicPr>
-          <p:nvPr/>
-        </p:nvPicPr>
-        <p:blipFill>
-          <a:blip r:embed="rId3"/>
-          <a:stretch>
-            <a:fillRect/>
-          </a:stretch>
-        </p:blipFill>
-        <p:spPr>
-          <a:xfrm>
-            <a:off x="793790" y="2477333"/>
-            <a:ext cx="3005495" cy="1857494"/>
-          </a:xfrm>
-          <a:prstGeom prst="rect">
-            <a:avLst/>
-          </a:prstGeom>
-        </p:spPr>
-      </p:pic>
-      <p:sp>
-        <p:nvSpPr>
-          <p:cNvPr id="4" name="Text 1"/>
-          <p:cNvSpPr/>
-          <p:nvPr/>
-        </p:nvSpPr>
-        <p:spPr>
-          <a:xfrm>
-            <a:off x="793790" y="4618315"/>
-            <a:ext cx="3005495" cy="708660"/>
-          </a:xfrm>
-          <a:prstGeom prst="rect">
-            <a:avLst/>
-          </a:prstGeom>
-          <a:noFill/>
-          <a:ln/>
-        </p:spPr>
-        <p:txBody>
-          <a:bodyPr wrap="square" lIns="0" tIns="0" rIns="0" bIns="0" rtlCol="0" anchor="t"/>
-          <a:lstStyle/>
-          <a:p>
-            <a:pPr marL="0" indent="0" algn="l">
-              <a:lnSpc>
-                <a:spcPts val="2750"/>
-              </a:lnSpc>
-              <a:buNone/>
-            </a:pPr>
-            <a:r>
-              <a:rPr lang="en-US" sz="2200" dirty="0">
-                <a:solidFill>
-                  <a:srgbClr val="C7CDD6"/>
-                </a:solidFill>
-                <a:latin typeface="Instrument Sans Medium" pitchFamily="34" charset="0"/>
-                <a:ea typeface="Instrument Sans Medium" pitchFamily="34" charset="-122"/>
-                <a:cs typeface="Instrument Sans Medium" pitchFamily="34" charset="-120"/>
-              </a:rPr>
-              <a:t>Frontend Development</a:t>
-            </a:r>
-            <a:endParaRPr lang="en-US" sz="2200" dirty="0"/>
-          </a:p>
-        </p:txBody>
-      </p:sp>
-      <p:sp>
-        <p:nvSpPr>
-          <p:cNvPr id="5" name="Text 2"/>
-          <p:cNvSpPr/>
-          <p:nvPr/>
-        </p:nvSpPr>
-        <p:spPr>
-          <a:xfrm>
-            <a:off x="793790" y="5463064"/>
-            <a:ext cx="3005495" cy="1451610"/>
-          </a:xfrm>
-          <a:prstGeom prst="rect">
-            <a:avLst/>
-          </a:prstGeom>
-          <a:noFill/>
-          <a:ln/>
-        </p:spPr>
-        <p:txBody>
-          <a:bodyPr wrap="square" lIns="0" tIns="0" rIns="0" bIns="0" rtlCol="0" anchor="t"/>
-          <a:lstStyle/>
-          <a:p>
-            <a:pPr marL="0" indent="0" algn="l">
-              <a:lnSpc>
-                <a:spcPts val="2850"/>
-              </a:lnSpc>
-              <a:buNone/>
-            </a:pPr>
-            <a:r>
-              <a:rPr lang="en-US" sz="1750" dirty="0">
-                <a:solidFill>
-                  <a:srgbClr val="C7CDD6"/>
-                </a:solidFill>
-                <a:latin typeface="Inter" pitchFamily="34" charset="0"/>
-                <a:ea typeface="Inter" pitchFamily="34" charset="-122"/>
-                <a:cs typeface="Inter" pitchFamily="34" charset="-120"/>
-              </a:rPr>
-              <a:t>Utilizing HTML, CSS, and JavaScript for a user-friendly and responsive interface.</a:t>
-            </a:r>
-            <a:endParaRPr lang="en-US" sz="1750" dirty="0"/>
-          </a:p>
-        </p:txBody>
-      </p:sp>
-      <p:pic>
-        <p:nvPicPr>
-          <p:cNvPr id="6" name="Image 1" descr="preencoded.png"/>
-          <p:cNvPicPr>
-            <a:picLocks noChangeAspect="1"/>
-          </p:cNvPicPr>
-          <p:nvPr/>
-        </p:nvPicPr>
-        <p:blipFill>
-          <a:blip r:embed="rId4"/>
-          <a:stretch>
-            <a:fillRect/>
-          </a:stretch>
-        </p:blipFill>
-        <p:spPr>
-          <a:xfrm>
-            <a:off x="4139446" y="2477333"/>
-            <a:ext cx="3005614" cy="1857494"/>
-          </a:xfrm>
-          <a:prstGeom prst="rect">
-            <a:avLst/>
-          </a:prstGeom>
-        </p:spPr>
-      </p:pic>
-      <p:sp>
-        <p:nvSpPr>
-          <p:cNvPr id="7" name="Text 3"/>
-          <p:cNvSpPr/>
-          <p:nvPr/>
-        </p:nvSpPr>
-        <p:spPr>
-          <a:xfrm>
-            <a:off x="4139446" y="4618315"/>
-            <a:ext cx="2986207" cy="354330"/>
-          </a:xfrm>
-          <a:prstGeom prst="rect">
-            <a:avLst/>
-          </a:prstGeom>
-          <a:noFill/>
-          <a:ln/>
-        </p:spPr>
-        <p:txBody>
-          <a:bodyPr wrap="none" lIns="0" tIns="0" rIns="0" bIns="0" rtlCol="0" anchor="t"/>
-          <a:lstStyle/>
-          <a:p>
-            <a:pPr marL="0" indent="0" algn="l">
-              <a:lnSpc>
-                <a:spcPts val="2750"/>
-              </a:lnSpc>
-              <a:buNone/>
-            </a:pPr>
-            <a:r>
-              <a:rPr lang="en-US" sz="2200" dirty="0">
-                <a:solidFill>
-                  <a:srgbClr val="C7CDD6"/>
-                </a:solidFill>
-                <a:latin typeface="Instrument Sans Medium" pitchFamily="34" charset="0"/>
-                <a:ea typeface="Instrument Sans Medium" pitchFamily="34" charset="-122"/>
-                <a:cs typeface="Instrument Sans Medium" pitchFamily="34" charset="-120"/>
-              </a:rPr>
-              <a:t>Backend Development</a:t>
-            </a:r>
-            <a:endParaRPr lang="en-US" sz="2200" dirty="0"/>
-          </a:p>
-        </p:txBody>
-      </p:sp>
-      <p:sp>
-        <p:nvSpPr>
-          <p:cNvPr id="8" name="Text 4"/>
-          <p:cNvSpPr/>
-          <p:nvPr/>
-        </p:nvSpPr>
-        <p:spPr>
-          <a:xfrm>
-            <a:off x="4139446" y="5108734"/>
-            <a:ext cx="3005614" cy="1088708"/>
-          </a:xfrm>
-          <a:prstGeom prst="rect">
-            <a:avLst/>
-          </a:prstGeom>
-          <a:noFill/>
-          <a:ln/>
-        </p:spPr>
-        <p:txBody>
-          <a:bodyPr wrap="square" lIns="0" tIns="0" rIns="0" bIns="0" rtlCol="0" anchor="t"/>
-          <a:lstStyle/>
-          <a:p>
-            <a:pPr marL="0" indent="0" algn="l">
-              <a:lnSpc>
-                <a:spcPts val="2850"/>
-              </a:lnSpc>
-              <a:buNone/>
-            </a:pPr>
-            <a:r>
-              <a:rPr lang="en-US" sz="1750" dirty="0">
-                <a:solidFill>
-                  <a:srgbClr val="C7CDD6"/>
-                </a:solidFill>
-                <a:latin typeface="Inter" pitchFamily="34" charset="0"/>
-                <a:ea typeface="Inter" pitchFamily="34" charset="-122"/>
-                <a:cs typeface="Inter" pitchFamily="34" charset="-120"/>
-              </a:rPr>
-              <a:t>Leveraging Java Spring Framework for robust backend functionality.</a:t>
-            </a:r>
-            <a:endParaRPr lang="en-US" sz="1750" dirty="0"/>
-          </a:p>
-        </p:txBody>
-      </p:sp>
-      <p:pic>
-        <p:nvPicPr>
-          <p:cNvPr id="9" name="Image 2" descr="preencoded.png"/>
-          <p:cNvPicPr>
-            <a:picLocks noChangeAspect="1"/>
-          </p:cNvPicPr>
-          <p:nvPr/>
-        </p:nvPicPr>
-        <p:blipFill>
-          <a:blip r:embed="rId5"/>
-          <a:stretch>
-            <a:fillRect/>
-          </a:stretch>
-        </p:blipFill>
-        <p:spPr>
-          <a:xfrm>
-            <a:off x="7485221" y="2477333"/>
-            <a:ext cx="3005614" cy="1857494"/>
-          </a:xfrm>
-          <a:prstGeom prst="rect">
-            <a:avLst/>
-          </a:prstGeom>
-        </p:spPr>
-      </p:pic>
-      <p:sp>
-        <p:nvSpPr>
-          <p:cNvPr id="10" name="Text 5"/>
-          <p:cNvSpPr/>
-          <p:nvPr/>
-        </p:nvSpPr>
-        <p:spPr>
-          <a:xfrm>
-            <a:off x="7485221" y="4618315"/>
-            <a:ext cx="3005614" cy="708660"/>
-          </a:xfrm>
-          <a:prstGeom prst="rect">
-            <a:avLst/>
-          </a:prstGeom>
-          <a:noFill/>
-          <a:ln/>
-        </p:spPr>
-        <p:txBody>
-          <a:bodyPr wrap="square" lIns="0" tIns="0" rIns="0" bIns="0" rtlCol="0" anchor="t"/>
-          <a:lstStyle/>
-          <a:p>
-            <a:pPr marL="0" indent="0" algn="l">
-              <a:lnSpc>
-                <a:spcPts val="2750"/>
-              </a:lnSpc>
-              <a:buNone/>
-            </a:pPr>
-            <a:r>
-              <a:rPr lang="en-US" sz="2200" dirty="0">
-                <a:solidFill>
-                  <a:srgbClr val="C7CDD6"/>
-                </a:solidFill>
-                <a:latin typeface="Instrument Sans Medium" pitchFamily="34" charset="0"/>
-                <a:ea typeface="Instrument Sans Medium" pitchFamily="34" charset="-122"/>
-                <a:cs typeface="Instrument Sans Medium" pitchFamily="34" charset="-120"/>
-              </a:rPr>
-              <a:t>Database Management</a:t>
-            </a:r>
-            <a:endParaRPr lang="en-US" sz="2200" dirty="0"/>
-          </a:p>
-        </p:txBody>
-      </p:sp>
-      <p:sp>
-        <p:nvSpPr>
-          <p:cNvPr id="11" name="Text 6"/>
-          <p:cNvSpPr/>
-          <p:nvPr/>
-        </p:nvSpPr>
-        <p:spPr>
-          <a:xfrm>
-            <a:off x="7485221" y="5463064"/>
-            <a:ext cx="3005614" cy="1451610"/>
-          </a:xfrm>
-          <a:prstGeom prst="rect">
-            <a:avLst/>
-          </a:prstGeom>
-          <a:noFill/>
-          <a:ln/>
-        </p:spPr>
-        <p:txBody>
-          <a:bodyPr wrap="square" lIns="0" tIns="0" rIns="0" bIns="0" rtlCol="0" anchor="t"/>
-          <a:lstStyle/>
-          <a:p>
-            <a:pPr marL="0" indent="0" algn="l">
-              <a:lnSpc>
-                <a:spcPts val="2850"/>
-              </a:lnSpc>
-              <a:buNone/>
-            </a:pPr>
-            <a:r>
-              <a:rPr lang="en-US" sz="1750" dirty="0">
-                <a:solidFill>
-                  <a:srgbClr val="C7CDD6"/>
-                </a:solidFill>
-                <a:latin typeface="Inter" pitchFamily="34" charset="0"/>
-                <a:ea typeface="Inter" pitchFamily="34" charset="-122"/>
-                <a:cs typeface="Inter" pitchFamily="34" charset="-120"/>
-              </a:rPr>
-              <a:t>Employing MySQL or PostgreSQL to store and manage student data securely.</a:t>
-            </a:r>
-            <a:endParaRPr lang="en-US" sz="1750" dirty="0"/>
-          </a:p>
-        </p:txBody>
-      </p:sp>
-      <p:pic>
-        <p:nvPicPr>
-          <p:cNvPr id="12" name="Image 3" descr="preencoded.png"/>
-          <p:cNvPicPr>
-            <a:picLocks noChangeAspect="1"/>
-          </p:cNvPicPr>
-          <p:nvPr/>
-        </p:nvPicPr>
-        <p:blipFill>
-          <a:blip r:embed="rId6"/>
-          <a:stretch>
-            <a:fillRect/>
-          </a:stretch>
-        </p:blipFill>
-        <p:spPr>
-          <a:xfrm>
-            <a:off x="10830997" y="2477333"/>
-            <a:ext cx="3005614" cy="1857494"/>
-          </a:xfrm>
-          <a:prstGeom prst="rect">
-            <a:avLst/>
-          </a:prstGeom>
-        </p:spPr>
-      </p:pic>
-      <p:sp>
-        <p:nvSpPr>
-          <p:cNvPr id="13" name="Text 7"/>
-          <p:cNvSpPr/>
-          <p:nvPr/>
-        </p:nvSpPr>
-        <p:spPr>
-          <a:xfrm>
-            <a:off x="10830997" y="4618315"/>
-            <a:ext cx="2835235" cy="354330"/>
-          </a:xfrm>
-          <a:prstGeom prst="rect">
-            <a:avLst/>
-          </a:prstGeom>
-          <a:noFill/>
-          <a:ln/>
-        </p:spPr>
-        <p:txBody>
-          <a:bodyPr wrap="none" lIns="0" tIns="0" rIns="0" bIns="0" rtlCol="0" anchor="t"/>
-          <a:lstStyle/>
-          <a:p>
-            <a:pPr marL="0" indent="0" algn="l">
-              <a:lnSpc>
-                <a:spcPts val="2750"/>
-              </a:lnSpc>
-              <a:buNone/>
-            </a:pPr>
-            <a:r>
-              <a:rPr lang="en-US" sz="2200" dirty="0">
-                <a:solidFill>
-                  <a:srgbClr val="C7CDD6"/>
-                </a:solidFill>
-                <a:latin typeface="Instrument Sans Medium" pitchFamily="34" charset="0"/>
-                <a:ea typeface="Instrument Sans Medium" pitchFamily="34" charset="-122"/>
-                <a:cs typeface="Instrument Sans Medium" pitchFamily="34" charset="-120"/>
-              </a:rPr>
-              <a:t>Authentication</a:t>
-            </a:r>
-            <a:endParaRPr lang="en-US" sz="2200" dirty="0"/>
-          </a:p>
-        </p:txBody>
-      </p:sp>
-      <p:sp>
-        <p:nvSpPr>
-          <p:cNvPr id="14" name="Text 8"/>
-          <p:cNvSpPr/>
-          <p:nvPr/>
-        </p:nvSpPr>
-        <p:spPr>
-          <a:xfrm>
-            <a:off x="10830997" y="5108734"/>
-            <a:ext cx="3005614" cy="1451610"/>
-          </a:xfrm>
-          <a:prstGeom prst="rect">
-            <a:avLst/>
-          </a:prstGeom>
-          <a:noFill/>
-          <a:ln/>
-        </p:spPr>
-        <p:txBody>
-          <a:bodyPr wrap="square" lIns="0" tIns="0" rIns="0" bIns="0" rtlCol="0" anchor="t"/>
-          <a:lstStyle/>
-          <a:p>
-            <a:pPr marL="0" indent="0" algn="l">
-              <a:lnSpc>
-                <a:spcPts val="2850"/>
-              </a:lnSpc>
-              <a:buNone/>
-            </a:pPr>
-            <a:r>
-              <a:rPr lang="en-US" sz="1750" dirty="0">
-                <a:solidFill>
-                  <a:srgbClr val="C7CDD6"/>
-                </a:solidFill>
-                <a:latin typeface="Inter" pitchFamily="34" charset="0"/>
-                <a:ea typeface="Inter" pitchFamily="34" charset="-122"/>
-                <a:cs typeface="Inter" pitchFamily="34" charset="-120"/>
-              </a:rPr>
-              <a:t>Implementing Spring Security with OAuth integration for secure user authentication.</a:t>
-            </a:r>
-            <a:endParaRPr lang="en-US" sz="1750" dirty="0"/>
-          </a:p>
-        </p:txBody>
-      </p:sp>
-    </p:spTree>
-  </p:cSld>
-  <p:clrMapOvr>
-    <a:masterClrMapping/>
-  </p:clrMapOvr>
-</p:sld>
-</file>
-
-<file path=ppt/slides/slide8.xml><?xml version="1.0" encoding="utf-8"?>
-<p:sld xmlns:a="http://schemas.openxmlformats.org/drawingml/2006/main" xmlns:r="http://schemas.openxmlformats.org/officeDocument/2006/relationships" xmlns:p="http://schemas.openxmlformats.org/presentationml/2006/main">
-  <p:cSld name="Slide 7">
-    <p:spTree>
-      <p:nvGrpSpPr>
-        <p:cNvPr id="1" name=""/>
-        <p:cNvGrpSpPr/>
-        <p:nvPr/>
-      </p:nvGrpSpPr>
-      <p:grpSpPr>
-        <a:xfrm>
-          <a:off x="0" y="0"/>
-          <a:ext cx="0" cy="0"/>
-          <a:chOff x="0" y="0"/>
-          <a:chExt cx="0" cy="0"/>
-        </a:xfrm>
-      </p:grpSpPr>
-      <p:sp>
-        <p:nvSpPr>
-          <p:cNvPr id="2" name="Text 0"/>
-          <p:cNvSpPr/>
-          <p:nvPr/>
-        </p:nvSpPr>
-        <p:spPr>
-          <a:xfrm>
-            <a:off x="793790" y="1492091"/>
-            <a:ext cx="8904446" cy="708779"/>
-          </a:xfrm>
-          <a:prstGeom prst="rect">
-            <a:avLst/>
-          </a:prstGeom>
-          <a:noFill/>
-          <a:ln/>
-        </p:spPr>
-        <p:txBody>
-          <a:bodyPr wrap="none" lIns="0" tIns="0" rIns="0" bIns="0" rtlCol="0" anchor="t"/>
-          <a:lstStyle/>
-          <a:p>
-            <a:pPr marL="0" indent="0">
-              <a:lnSpc>
-                <a:spcPts val="5550"/>
-              </a:lnSpc>
-              <a:buNone/>
-            </a:pPr>
-            <a:r>
-              <a:rPr lang="en-US" sz="4450" dirty="0">
-                <a:solidFill>
-                  <a:srgbClr val="EFD5FA"/>
-                </a:solidFill>
-                <a:latin typeface="Instrument Sans Medium" pitchFamily="34" charset="0"/>
-                <a:ea typeface="Instrument Sans Medium" pitchFamily="34" charset="-122"/>
-                <a:cs typeface="Instrument Sans Medium" pitchFamily="34" charset="-120"/>
-              </a:rPr>
-              <a:t>Development Tools and Platforms</a:t>
-            </a:r>
-            <a:endParaRPr lang="en-US" sz="4450" dirty="0"/>
-          </a:p>
-        </p:txBody>
-      </p:sp>
-      <p:pic>
-        <p:nvPicPr>
-          <p:cNvPr id="3" name="Image 0" descr="preencoded.png"/>
-          <p:cNvPicPr>
-            <a:picLocks noChangeAspect="1"/>
-          </p:cNvPicPr>
-          <p:nvPr/>
-        </p:nvPicPr>
-        <p:blipFill>
-          <a:blip r:embed="rId3"/>
-          <a:stretch>
-            <a:fillRect/>
-          </a:stretch>
-        </p:blipFill>
-        <p:spPr>
-          <a:xfrm>
-            <a:off x="793790" y="2654498"/>
-            <a:ext cx="3005495" cy="1857494"/>
-          </a:xfrm>
-          <a:prstGeom prst="rect">
-            <a:avLst/>
-          </a:prstGeom>
-        </p:spPr>
-      </p:pic>
-      <p:sp>
-        <p:nvSpPr>
-          <p:cNvPr id="4" name="Text 1"/>
-          <p:cNvSpPr/>
-          <p:nvPr/>
-        </p:nvSpPr>
-        <p:spPr>
-          <a:xfrm>
-            <a:off x="793790" y="4795480"/>
-            <a:ext cx="2835235" cy="354330"/>
-          </a:xfrm>
-          <a:prstGeom prst="rect">
-            <a:avLst/>
-          </a:prstGeom>
-          <a:noFill/>
-          <a:ln/>
-        </p:spPr>
-        <p:txBody>
-          <a:bodyPr wrap="none" lIns="0" tIns="0" rIns="0" bIns="0" rtlCol="0" anchor="t"/>
-          <a:lstStyle/>
-          <a:p>
-            <a:pPr marL="0" indent="0" algn="l">
-              <a:lnSpc>
-                <a:spcPts val="2750"/>
-              </a:lnSpc>
-              <a:buNone/>
-            </a:pPr>
-            <a:r>
-              <a:rPr lang="en-US" sz="2200" dirty="0">
-                <a:solidFill>
-                  <a:srgbClr val="C7CDD6"/>
-                </a:solidFill>
-                <a:latin typeface="Instrument Sans Medium" pitchFamily="34" charset="0"/>
-                <a:ea typeface="Instrument Sans Medium" pitchFamily="34" charset="-122"/>
-                <a:cs typeface="Instrument Sans Medium" pitchFamily="34" charset="-120"/>
-              </a:rPr>
-              <a:t>GitHub</a:t>
-            </a:r>
-            <a:endParaRPr lang="en-US" sz="2200" dirty="0"/>
-          </a:p>
-        </p:txBody>
-      </p:sp>
-      <p:sp>
-        <p:nvSpPr>
-          <p:cNvPr id="5" name="Text 2"/>
-          <p:cNvSpPr/>
-          <p:nvPr/>
-        </p:nvSpPr>
-        <p:spPr>
-          <a:xfrm>
-            <a:off x="793790" y="5285899"/>
-            <a:ext cx="3005495" cy="1088708"/>
-          </a:xfrm>
-          <a:prstGeom prst="rect">
-            <a:avLst/>
-          </a:prstGeom>
-          <a:noFill/>
-          <a:ln/>
-        </p:spPr>
-        <p:txBody>
-          <a:bodyPr wrap="square" lIns="0" tIns="0" rIns="0" bIns="0" rtlCol="0" anchor="t"/>
-          <a:lstStyle/>
-          <a:p>
-            <a:pPr marL="0" indent="0" algn="l">
-              <a:lnSpc>
-                <a:spcPts val="2850"/>
-              </a:lnSpc>
-              <a:buNone/>
-            </a:pPr>
-            <a:r>
-              <a:rPr lang="en-US" sz="1750" dirty="0">
-                <a:solidFill>
-                  <a:srgbClr val="C7CDD6"/>
-                </a:solidFill>
-                <a:latin typeface="Inter" pitchFamily="34" charset="0"/>
-                <a:ea typeface="Inter" pitchFamily="34" charset="-122"/>
-                <a:cs typeface="Inter" pitchFamily="34" charset="-120"/>
-              </a:rPr>
-              <a:t>For version control, code collaboration, and project management.</a:t>
-            </a:r>
-            <a:endParaRPr lang="en-US" sz="1750" dirty="0"/>
-          </a:p>
-        </p:txBody>
-      </p:sp>
-      <p:pic>
-        <p:nvPicPr>
-          <p:cNvPr id="6" name="Image 1" descr="preencoded.png"/>
-          <p:cNvPicPr>
-            <a:picLocks noChangeAspect="1"/>
-          </p:cNvPicPr>
-          <p:nvPr/>
-        </p:nvPicPr>
-        <p:blipFill>
-          <a:blip r:embed="rId4"/>
-          <a:stretch>
-            <a:fillRect/>
-          </a:stretch>
-        </p:blipFill>
-        <p:spPr>
-          <a:xfrm>
-            <a:off x="4139446" y="2654498"/>
-            <a:ext cx="3005614" cy="1857494"/>
-          </a:xfrm>
-          <a:prstGeom prst="rect">
-            <a:avLst/>
-          </a:prstGeom>
-        </p:spPr>
-      </p:pic>
-      <p:sp>
-        <p:nvSpPr>
-          <p:cNvPr id="7" name="Text 3"/>
-          <p:cNvSpPr/>
-          <p:nvPr/>
-        </p:nvSpPr>
-        <p:spPr>
-          <a:xfrm>
-            <a:off x="4139446" y="4795480"/>
-            <a:ext cx="2835235" cy="354330"/>
-          </a:xfrm>
-          <a:prstGeom prst="rect">
-            <a:avLst/>
-          </a:prstGeom>
-          <a:noFill/>
-          <a:ln/>
-        </p:spPr>
-        <p:txBody>
-          <a:bodyPr wrap="none" lIns="0" tIns="0" rIns="0" bIns="0" rtlCol="0" anchor="t"/>
-          <a:lstStyle/>
-          <a:p>
-            <a:pPr marL="0" indent="0" algn="l">
-              <a:lnSpc>
-                <a:spcPts val="2750"/>
-              </a:lnSpc>
-              <a:buNone/>
-            </a:pPr>
-            <a:r>
-              <a:rPr lang="en-US" sz="2200" dirty="0">
-                <a:solidFill>
-                  <a:srgbClr val="C7CDD6"/>
-                </a:solidFill>
-                <a:latin typeface="Instrument Sans Medium" pitchFamily="34" charset="0"/>
-                <a:ea typeface="Instrument Sans Medium" pitchFamily="34" charset="-122"/>
-                <a:cs typeface="Instrument Sans Medium" pitchFamily="34" charset="-120"/>
-              </a:rPr>
-              <a:t>Trello</a:t>
-            </a:r>
-            <a:endParaRPr lang="en-US" sz="2200" dirty="0"/>
-          </a:p>
-        </p:txBody>
-      </p:sp>
-      <p:sp>
-        <p:nvSpPr>
-          <p:cNvPr id="8" name="Text 4"/>
-          <p:cNvSpPr/>
-          <p:nvPr/>
-        </p:nvSpPr>
-        <p:spPr>
-          <a:xfrm>
-            <a:off x="4139446" y="5285899"/>
-            <a:ext cx="3005614" cy="1088708"/>
-          </a:xfrm>
-          <a:prstGeom prst="rect">
-            <a:avLst/>
-          </a:prstGeom>
-          <a:noFill/>
-          <a:ln/>
-        </p:spPr>
-        <p:txBody>
-          <a:bodyPr wrap="square" lIns="0" tIns="0" rIns="0" bIns="0" rtlCol="0" anchor="t"/>
-          <a:lstStyle/>
-          <a:p>
-            <a:pPr marL="0" indent="0" algn="l">
-              <a:lnSpc>
-                <a:spcPts val="2850"/>
-              </a:lnSpc>
-              <a:buNone/>
-            </a:pPr>
-            <a:r>
-              <a:rPr lang="en-US" sz="1750" dirty="0">
-                <a:solidFill>
-                  <a:srgbClr val="C7CDD6"/>
-                </a:solidFill>
-                <a:latin typeface="Inter" pitchFamily="34" charset="0"/>
-                <a:ea typeface="Inter" pitchFamily="34" charset="-122"/>
-                <a:cs typeface="Inter" pitchFamily="34" charset="-120"/>
-              </a:rPr>
-              <a:t>For task management, project organization, and team communication.</a:t>
-            </a:r>
-            <a:endParaRPr lang="en-US" sz="1750" dirty="0"/>
-          </a:p>
-        </p:txBody>
-      </p:sp>
-      <p:pic>
-        <p:nvPicPr>
-          <p:cNvPr id="9" name="Image 2" descr="preencoded.png"/>
-          <p:cNvPicPr>
-            <a:picLocks noChangeAspect="1"/>
-          </p:cNvPicPr>
-          <p:nvPr/>
-        </p:nvPicPr>
-        <p:blipFill>
-          <a:blip r:embed="rId5"/>
-          <a:stretch>
-            <a:fillRect/>
-          </a:stretch>
-        </p:blipFill>
-        <p:spPr>
-          <a:xfrm>
-            <a:off x="7485221" y="2654498"/>
-            <a:ext cx="3005614" cy="1857494"/>
-          </a:xfrm>
-          <a:prstGeom prst="rect">
-            <a:avLst/>
-          </a:prstGeom>
-        </p:spPr>
-      </p:pic>
-      <p:sp>
-        <p:nvSpPr>
-          <p:cNvPr id="10" name="Text 5"/>
-          <p:cNvSpPr/>
-          <p:nvPr/>
-        </p:nvSpPr>
-        <p:spPr>
-          <a:xfrm>
-            <a:off x="7485221" y="4795480"/>
-            <a:ext cx="2835235" cy="354330"/>
-          </a:xfrm>
-          <a:prstGeom prst="rect">
-            <a:avLst/>
-          </a:prstGeom>
-          <a:noFill/>
-          <a:ln/>
-        </p:spPr>
-        <p:txBody>
-          <a:bodyPr wrap="none" lIns="0" tIns="0" rIns="0" bIns="0" rtlCol="0" anchor="t"/>
-          <a:lstStyle/>
-          <a:p>
-            <a:pPr marL="0" indent="0" algn="l">
-              <a:lnSpc>
-                <a:spcPts val="2750"/>
-              </a:lnSpc>
-              <a:buNone/>
-            </a:pPr>
-            <a:r>
-              <a:rPr lang="en-US" sz="2200" dirty="0">
-                <a:solidFill>
-                  <a:srgbClr val="C7CDD6"/>
-                </a:solidFill>
-                <a:latin typeface="Instrument Sans Medium" pitchFamily="34" charset="0"/>
-                <a:ea typeface="Instrument Sans Medium" pitchFamily="34" charset="-122"/>
-                <a:cs typeface="Instrument Sans Medium" pitchFamily="34" charset="-120"/>
-              </a:rPr>
-              <a:t>Balsamiq</a:t>
-            </a:r>
-            <a:endParaRPr lang="en-US" sz="2200" dirty="0"/>
-          </a:p>
-        </p:txBody>
-      </p:sp>
-      <p:sp>
-        <p:nvSpPr>
-          <p:cNvPr id="11" name="Text 6"/>
-          <p:cNvSpPr/>
-          <p:nvPr/>
-        </p:nvSpPr>
-        <p:spPr>
-          <a:xfrm>
-            <a:off x="7485221" y="5285899"/>
-            <a:ext cx="3005614" cy="1088708"/>
-          </a:xfrm>
-          <a:prstGeom prst="rect">
-            <a:avLst/>
-          </a:prstGeom>
-          <a:noFill/>
-          <a:ln/>
-        </p:spPr>
-        <p:txBody>
-          <a:bodyPr wrap="square" lIns="0" tIns="0" rIns="0" bIns="0" rtlCol="0" anchor="t"/>
-          <a:lstStyle/>
-          <a:p>
-            <a:pPr marL="0" indent="0" algn="l">
-              <a:lnSpc>
-                <a:spcPts val="2850"/>
-              </a:lnSpc>
-              <a:buNone/>
-            </a:pPr>
-            <a:r>
-              <a:rPr lang="en-US" sz="1750" dirty="0">
-                <a:solidFill>
-                  <a:srgbClr val="C7CDD6"/>
-                </a:solidFill>
-                <a:latin typeface="Inter" pitchFamily="34" charset="0"/>
-                <a:ea typeface="Inter" pitchFamily="34" charset="-122"/>
-                <a:cs typeface="Inter" pitchFamily="34" charset="-120"/>
-              </a:rPr>
-              <a:t>For rapid prototyping and wireframing user interfaces.</a:t>
-            </a:r>
-            <a:endParaRPr lang="en-US" sz="1750" dirty="0"/>
-          </a:p>
-        </p:txBody>
-      </p:sp>
-      <p:pic>
-        <p:nvPicPr>
-          <p:cNvPr id="12" name="Image 3" descr="preencoded.png"/>
-          <p:cNvPicPr>
-            <a:picLocks noChangeAspect="1"/>
-          </p:cNvPicPr>
-          <p:nvPr/>
-        </p:nvPicPr>
-        <p:blipFill>
-          <a:blip r:embed="rId6"/>
-          <a:stretch>
-            <a:fillRect/>
-          </a:stretch>
-        </p:blipFill>
-        <p:spPr>
-          <a:xfrm>
-            <a:off x="10830997" y="2654498"/>
-            <a:ext cx="3005614" cy="1857494"/>
-          </a:xfrm>
-          <a:prstGeom prst="rect">
-            <a:avLst/>
-          </a:prstGeom>
-        </p:spPr>
-      </p:pic>
-      <p:sp>
-        <p:nvSpPr>
-          <p:cNvPr id="13" name="Text 7"/>
-          <p:cNvSpPr/>
-          <p:nvPr/>
-        </p:nvSpPr>
-        <p:spPr>
-          <a:xfrm>
-            <a:off x="10830997" y="4795480"/>
-            <a:ext cx="2835235" cy="354330"/>
-          </a:xfrm>
-          <a:prstGeom prst="rect">
-            <a:avLst/>
-          </a:prstGeom>
-          <a:noFill/>
-          <a:ln/>
-        </p:spPr>
-        <p:txBody>
-          <a:bodyPr wrap="none" lIns="0" tIns="0" rIns="0" bIns="0" rtlCol="0" anchor="t"/>
-          <a:lstStyle/>
-          <a:p>
-            <a:pPr marL="0" indent="0" algn="l">
-              <a:lnSpc>
-                <a:spcPts val="2750"/>
-              </a:lnSpc>
-              <a:buNone/>
-            </a:pPr>
-            <a:r>
-              <a:rPr lang="en-US" sz="2200" dirty="0">
-                <a:solidFill>
-                  <a:srgbClr val="C7CDD6"/>
-                </a:solidFill>
-                <a:latin typeface="Instrument Sans Medium" pitchFamily="34" charset="0"/>
-                <a:ea typeface="Instrument Sans Medium" pitchFamily="34" charset="-122"/>
-                <a:cs typeface="Instrument Sans Medium" pitchFamily="34" charset="-120"/>
-              </a:rPr>
-              <a:t>AWS</a:t>
-            </a:r>
-            <a:endParaRPr lang="en-US" sz="2200" dirty="0"/>
-          </a:p>
-        </p:txBody>
-      </p:sp>
-      <p:sp>
-        <p:nvSpPr>
-          <p:cNvPr id="14" name="Text 8"/>
-          <p:cNvSpPr/>
-          <p:nvPr/>
-        </p:nvSpPr>
-        <p:spPr>
-          <a:xfrm>
-            <a:off x="10830997" y="5285899"/>
-            <a:ext cx="3005614" cy="1451610"/>
-          </a:xfrm>
-          <a:prstGeom prst="rect">
-            <a:avLst/>
-          </a:prstGeom>
-          <a:noFill/>
-          <a:ln/>
-        </p:spPr>
-        <p:txBody>
-          <a:bodyPr wrap="square" lIns="0" tIns="0" rIns="0" bIns="0" rtlCol="0" anchor="t"/>
-          <a:lstStyle/>
-          <a:p>
-            <a:pPr marL="0" indent="0" algn="l">
-              <a:lnSpc>
-                <a:spcPts val="2850"/>
-              </a:lnSpc>
-              <a:buNone/>
-            </a:pPr>
-            <a:r>
-              <a:rPr lang="en-US" sz="1750" dirty="0">
-                <a:solidFill>
-                  <a:srgbClr val="C7CDD6"/>
-                </a:solidFill>
-                <a:latin typeface="Inter" pitchFamily="34" charset="0"/>
-                <a:ea typeface="Inter" pitchFamily="34" charset="-122"/>
-                <a:cs typeface="Inter" pitchFamily="34" charset="-120"/>
-              </a:rPr>
-              <a:t>For cloud-based infrastructure, serverless computing, and data storage.</a:t>
-            </a:r>
-            <a:endParaRPr lang="en-US" sz="1750" dirty="0"/>
-          </a:p>
-        </p:txBody>
-      </p:sp>
-    </p:spTree>
-  </p:cSld>
-  <p:clrMapOvr>
-    <a:masterClrMapping/>
-  </p:clrMapOvr>
-</p:sld>
-</file>
-
-<file path=ppt/slides/slide9.xml><?xml version="1.0" encoding="utf-8"?>
-<p:sld xmlns:a="http://schemas.openxmlformats.org/drawingml/2006/main" xmlns:r="http://schemas.openxmlformats.org/officeDocument/2006/relationships" xmlns:p="http://schemas.openxmlformats.org/presentationml/2006/main">
-  <p:cSld name="Slide 8">
     <p:spTree>
       <p:nvGrpSpPr>
         <p:cNvPr id="1" name=""/>
@@ -5074,7 +4436,7 @@
         </p:nvSpPr>
         <p:spPr>
           <a:xfrm>
-            <a:off x="793790" y="3045976"/>
+            <a:off x="793790" y="1482566"/>
             <a:ext cx="5670590" cy="708779"/>
           </a:xfrm>
           <a:prstGeom prst="rect">
@@ -5096,13 +4458,13 @@
             <a:r>
               <a:rPr lang="en-US" sz="4450" dirty="0">
                 <a:solidFill>
-                  <a:srgbClr val="EFD5FA"/>
+                  <a:srgbClr val="5E208E"/>
                 </a:solidFill>
                 <a:latin typeface="Instrument Sans Medium" pitchFamily="34" charset="0"/>
                 <a:ea typeface="Instrument Sans Medium" pitchFamily="34" charset="-122"/>
                 <a:cs typeface="Instrument Sans Medium" pitchFamily="34" charset="-120"/>
               </a:rPr>
-              <a:t>Conclusion</a:t>
+              <a:t> Future Overview</a:t>
             </a:r>
             <a:endParaRPr lang="en-US" sz="4450" dirty="0"/>
           </a:p>
@@ -5116,8 +4478,50 @@
         </p:nvSpPr>
         <p:spPr>
           <a:xfrm>
-            <a:off x="793790" y="4094917"/>
-            <a:ext cx="7556421" cy="1088708"/>
+            <a:off x="793790" y="2758321"/>
+            <a:ext cx="3744754" cy="708660"/>
+          </a:xfrm>
+          <a:prstGeom prst="rect">
+            <a:avLst/>
+          </a:prstGeom>
+          <a:noFill/>
+          <a:ln/>
+        </p:spPr>
+        <p:txBody>
+          <a:bodyPr wrap="square" lIns="0" tIns="0" rIns="0" bIns="0" rtlCol="0" anchor="t"/>
+          <a:lstStyle/>
+          <a:p>
+            <a:pPr marL="0" indent="0">
+              <a:lnSpc>
+                <a:spcPts val="2750"/>
+              </a:lnSpc>
+              <a:buNone/>
+            </a:pPr>
+            <a:r>
+              <a:rPr lang="en-US" sz="2200" dirty="0">
+                <a:solidFill>
+                  <a:srgbClr val="5E208E"/>
+                </a:solidFill>
+                <a:latin typeface="Instrument Sans Medium" pitchFamily="34" charset="0"/>
+                <a:ea typeface="Instrument Sans Medium" pitchFamily="34" charset="-122"/>
+                <a:cs typeface="Instrument Sans Medium" pitchFamily="34" charset="-120"/>
+              </a:rPr>
+              <a:t>1.Mobile Application Support:</a:t>
+            </a:r>
+            <a:endParaRPr lang="en-US" sz="2200" dirty="0"/>
+          </a:p>
+        </p:txBody>
+      </p:sp>
+      <p:sp>
+        <p:nvSpPr>
+          <p:cNvPr id="5" name="Text 2"/>
+          <p:cNvSpPr/>
+          <p:nvPr/>
+        </p:nvSpPr>
+        <p:spPr>
+          <a:xfrm>
+            <a:off x="793790" y="3693795"/>
+            <a:ext cx="3744754" cy="1451610"/>
           </a:xfrm>
           <a:prstGeom prst="rect">
             <a:avLst/>
@@ -5138,7 +4542,1392 @@
             <a:r>
               <a:rPr lang="en-US" sz="1750" dirty="0">
                 <a:solidFill>
-                  <a:srgbClr val="C7CDD6"/>
+                  <a:srgbClr val="B05EF1"/>
+                </a:solidFill>
+                <a:latin typeface="Inter" pitchFamily="34" charset="0"/>
+                <a:ea typeface="Inter" pitchFamily="34" charset="-122"/>
+                <a:cs typeface="Inter" pitchFamily="34" charset="-120"/>
+              </a:rPr>
+              <a:t>Developing a mobile-friendly version or dedicated app for easier access by students, teachers, and administrators.</a:t>
+            </a:r>
+            <a:endParaRPr lang="en-US" sz="1750" dirty="0"/>
+          </a:p>
+        </p:txBody>
+      </p:sp>
+      <p:sp>
+        <p:nvSpPr>
+          <p:cNvPr id="6" name="Text 3"/>
+          <p:cNvSpPr/>
+          <p:nvPr/>
+        </p:nvSpPr>
+        <p:spPr>
+          <a:xfrm>
+            <a:off x="5099566" y="2758321"/>
+            <a:ext cx="3258145" cy="708660"/>
+          </a:xfrm>
+          <a:prstGeom prst="rect">
+            <a:avLst/>
+          </a:prstGeom>
+          <a:noFill/>
+          <a:ln/>
+        </p:spPr>
+        <p:txBody>
+          <a:bodyPr wrap="square" lIns="0" tIns="0" rIns="0" bIns="0" rtlCol="0" anchor="t"/>
+          <a:lstStyle/>
+          <a:p>
+            <a:pPr marL="0" indent="0">
+              <a:lnSpc>
+                <a:spcPts val="2750"/>
+              </a:lnSpc>
+              <a:buNone/>
+            </a:pPr>
+            <a:r>
+              <a:rPr lang="en-US" sz="2200" dirty="0">
+                <a:solidFill>
+                  <a:srgbClr val="5E208E"/>
+                </a:solidFill>
+                <a:latin typeface="Instrument Sans Medium" pitchFamily="34" charset="0"/>
+                <a:ea typeface="Instrument Sans Medium" pitchFamily="34" charset="-122"/>
+                <a:cs typeface="Instrument Sans Medium" pitchFamily="34" charset="-120"/>
+              </a:rPr>
+              <a:t>2.Customizable Templates:</a:t>
+            </a:r>
+            <a:endParaRPr lang="en-US" sz="2200" dirty="0"/>
+          </a:p>
+        </p:txBody>
+      </p:sp>
+      <p:sp>
+        <p:nvSpPr>
+          <p:cNvPr id="7" name="Text 4"/>
+          <p:cNvSpPr/>
+          <p:nvPr/>
+        </p:nvSpPr>
+        <p:spPr>
+          <a:xfrm>
+            <a:off x="5099566" y="3693795"/>
+            <a:ext cx="3258145" cy="1451610"/>
+          </a:xfrm>
+          <a:prstGeom prst="rect">
+            <a:avLst/>
+          </a:prstGeom>
+          <a:noFill/>
+          <a:ln/>
+        </p:spPr>
+        <p:txBody>
+          <a:bodyPr wrap="square" lIns="0" tIns="0" rIns="0" bIns="0" rtlCol="0" anchor="t"/>
+          <a:lstStyle/>
+          <a:p>
+            <a:pPr marL="0" indent="0">
+              <a:lnSpc>
+                <a:spcPts val="2850"/>
+              </a:lnSpc>
+              <a:buNone/>
+            </a:pPr>
+            <a:r>
+              <a:rPr lang="en-US" sz="1750" dirty="0">
+                <a:solidFill>
+                  <a:srgbClr val="B05EF1"/>
+                </a:solidFill>
+                <a:latin typeface="Inter" pitchFamily="34" charset="0"/>
+                <a:ea typeface="Inter" pitchFamily="34" charset="-122"/>
+                <a:cs typeface="Inter" pitchFamily="34" charset="-120"/>
+              </a:rPr>
+              <a:t>Allowing academies to design and customize certificates to match their branding and requirements.</a:t>
+            </a:r>
+            <a:endParaRPr lang="en-US" sz="1750" dirty="0"/>
+          </a:p>
+        </p:txBody>
+      </p:sp>
+      <p:sp>
+        <p:nvSpPr>
+          <p:cNvPr id="8" name="Text 5"/>
+          <p:cNvSpPr/>
+          <p:nvPr/>
+        </p:nvSpPr>
+        <p:spPr>
+          <a:xfrm>
+            <a:off x="793790" y="5689640"/>
+            <a:ext cx="2835235" cy="354330"/>
+          </a:xfrm>
+          <a:prstGeom prst="rect">
+            <a:avLst/>
+          </a:prstGeom>
+          <a:noFill/>
+          <a:ln/>
+        </p:spPr>
+        <p:txBody>
+          <a:bodyPr wrap="none" lIns="0" tIns="0" rIns="0" bIns="0" rtlCol="0" anchor="t"/>
+          <a:lstStyle/>
+          <a:p>
+            <a:pPr marL="0" indent="0">
+              <a:lnSpc>
+                <a:spcPts val="2750"/>
+              </a:lnSpc>
+              <a:buNone/>
+            </a:pPr>
+            <a:endParaRPr lang="en-US" sz="2200" dirty="0"/>
+          </a:p>
+        </p:txBody>
+      </p:sp>
+      <p:sp>
+        <p:nvSpPr>
+          <p:cNvPr id="9" name="Text 6"/>
+          <p:cNvSpPr/>
+          <p:nvPr/>
+        </p:nvSpPr>
+        <p:spPr>
+          <a:xfrm>
+            <a:off x="793790" y="6384131"/>
+            <a:ext cx="7556421" cy="362903"/>
+          </a:xfrm>
+          <a:prstGeom prst="rect">
+            <a:avLst/>
+          </a:prstGeom>
+          <a:noFill/>
+          <a:ln/>
+        </p:spPr>
+        <p:txBody>
+          <a:bodyPr wrap="none" lIns="0" tIns="0" rIns="0" bIns="0" rtlCol="0" anchor="t"/>
+          <a:lstStyle/>
+          <a:p>
+            <a:pPr marL="0" indent="0">
+              <a:lnSpc>
+                <a:spcPts val="2850"/>
+              </a:lnSpc>
+              <a:buNone/>
+            </a:pPr>
+            <a:endParaRPr lang="en-US" sz="1750" dirty="0"/>
+          </a:p>
+        </p:txBody>
+      </p:sp>
+    </p:spTree>
+  </p:cSld>
+  <p:clrMapOvr>
+    <a:masterClrMapping/>
+  </p:clrMapOvr>
+</p:sld>
+</file>
+
+<file path=ppt/slides/slide7.xml><?xml version="1.0" encoding="utf-8"?>
+<p:sld xmlns:a="http://schemas.openxmlformats.org/drawingml/2006/main" xmlns:r="http://schemas.openxmlformats.org/officeDocument/2006/relationships" xmlns:p="http://schemas.openxmlformats.org/presentationml/2006/main">
+  <p:cSld name="Slide 7">
+    <p:spTree>
+      <p:nvGrpSpPr>
+        <p:cNvPr id="1" name=""/>
+        <p:cNvGrpSpPr/>
+        <p:nvPr/>
+      </p:nvGrpSpPr>
+      <p:grpSpPr>
+        <a:xfrm>
+          <a:off x="0" y="0"/>
+          <a:ext cx="0" cy="0"/>
+          <a:chOff x="0" y="0"/>
+          <a:chExt cx="0" cy="0"/>
+        </a:xfrm>
+      </p:grpSpPr>
+      <p:sp>
+        <p:nvSpPr>
+          <p:cNvPr id="2" name="Text 0"/>
+          <p:cNvSpPr/>
+          <p:nvPr/>
+        </p:nvSpPr>
+        <p:spPr>
+          <a:xfrm>
+            <a:off x="793790" y="1314926"/>
+            <a:ext cx="5670590" cy="708779"/>
+          </a:xfrm>
+          <a:prstGeom prst="rect">
+            <a:avLst/>
+          </a:prstGeom>
+          <a:noFill/>
+          <a:ln/>
+        </p:spPr>
+        <p:txBody>
+          <a:bodyPr wrap="none" lIns="0" tIns="0" rIns="0" bIns="0" rtlCol="0" anchor="t"/>
+          <a:lstStyle/>
+          <a:p>
+            <a:pPr marL="0" indent="0">
+              <a:lnSpc>
+                <a:spcPts val="5550"/>
+              </a:lnSpc>
+              <a:buNone/>
+            </a:pPr>
+            <a:r>
+              <a:rPr lang="en-US" sz="4450" dirty="0">
+                <a:solidFill>
+                  <a:srgbClr val="5E208E"/>
+                </a:solidFill>
+                <a:latin typeface="Instrument Sans Medium" pitchFamily="34" charset="0"/>
+                <a:ea typeface="Instrument Sans Medium" pitchFamily="34" charset="-122"/>
+                <a:cs typeface="Instrument Sans Medium" pitchFamily="34" charset="-120"/>
+              </a:rPr>
+              <a:t>Technology Stack</a:t>
+            </a:r>
+            <a:endParaRPr lang="en-US" sz="4450" dirty="0"/>
+          </a:p>
+        </p:txBody>
+      </p:sp>
+      <p:pic>
+        <p:nvPicPr>
+          <p:cNvPr id="3" name="Image 0" descr="preencoded.png"/>
+          <p:cNvPicPr>
+            <a:picLocks noChangeAspect="1"/>
+          </p:cNvPicPr>
+          <p:nvPr/>
+        </p:nvPicPr>
+        <p:blipFill>
+          <a:blip r:embed="rId3"/>
+          <a:stretch>
+            <a:fillRect/>
+          </a:stretch>
+        </p:blipFill>
+        <p:spPr>
+          <a:xfrm>
+            <a:off x="793790" y="2477333"/>
+            <a:ext cx="3005495" cy="1857494"/>
+          </a:xfrm>
+          <a:prstGeom prst="rect">
+            <a:avLst/>
+          </a:prstGeom>
+        </p:spPr>
+      </p:pic>
+      <p:sp>
+        <p:nvSpPr>
+          <p:cNvPr id="4" name="Text 1"/>
+          <p:cNvSpPr/>
+          <p:nvPr/>
+        </p:nvSpPr>
+        <p:spPr>
+          <a:xfrm>
+            <a:off x="793790" y="4618315"/>
+            <a:ext cx="3005495" cy="708660"/>
+          </a:xfrm>
+          <a:prstGeom prst="rect">
+            <a:avLst/>
+          </a:prstGeom>
+          <a:noFill/>
+          <a:ln/>
+        </p:spPr>
+        <p:txBody>
+          <a:bodyPr wrap="square" lIns="0" tIns="0" rIns="0" bIns="0" rtlCol="0" anchor="t"/>
+          <a:lstStyle/>
+          <a:p>
+            <a:pPr marL="0" indent="0" algn="l">
+              <a:lnSpc>
+                <a:spcPts val="2750"/>
+              </a:lnSpc>
+              <a:buNone/>
+            </a:pPr>
+            <a:r>
+              <a:rPr lang="en-US" sz="2200" dirty="0">
+                <a:solidFill>
+                  <a:srgbClr val="5E208E"/>
+                </a:solidFill>
+                <a:latin typeface="Instrument Sans Medium" pitchFamily="34" charset="0"/>
+                <a:ea typeface="Instrument Sans Medium" pitchFamily="34" charset="-122"/>
+                <a:cs typeface="Instrument Sans Medium" pitchFamily="34" charset="-120"/>
+              </a:rPr>
+              <a:t>Frontend Development</a:t>
+            </a:r>
+            <a:endParaRPr lang="en-US" sz="2200" dirty="0"/>
+          </a:p>
+        </p:txBody>
+      </p:sp>
+      <p:sp>
+        <p:nvSpPr>
+          <p:cNvPr id="5" name="Text 2"/>
+          <p:cNvSpPr/>
+          <p:nvPr/>
+        </p:nvSpPr>
+        <p:spPr>
+          <a:xfrm>
+            <a:off x="793790" y="5463064"/>
+            <a:ext cx="3005495" cy="1451610"/>
+          </a:xfrm>
+          <a:prstGeom prst="rect">
+            <a:avLst/>
+          </a:prstGeom>
+          <a:noFill/>
+          <a:ln/>
+        </p:spPr>
+        <p:txBody>
+          <a:bodyPr wrap="square" lIns="0" tIns="0" rIns="0" bIns="0" rtlCol="0" anchor="t"/>
+          <a:lstStyle/>
+          <a:p>
+            <a:pPr marL="0" indent="0" algn="l">
+              <a:lnSpc>
+                <a:spcPts val="2850"/>
+              </a:lnSpc>
+              <a:buNone/>
+            </a:pPr>
+            <a:r>
+              <a:rPr lang="en-US" sz="1750" dirty="0">
+                <a:solidFill>
+                  <a:srgbClr val="B05EF1"/>
+                </a:solidFill>
+                <a:latin typeface="Inter" pitchFamily="34" charset="0"/>
+                <a:ea typeface="Inter" pitchFamily="34" charset="-122"/>
+                <a:cs typeface="Inter" pitchFamily="34" charset="-120"/>
+              </a:rPr>
+              <a:t>Utilizing HTML, CSS, and JavaScript for a user-friendly and responsive interface.</a:t>
+            </a:r>
+            <a:endParaRPr lang="en-US" sz="1750" dirty="0"/>
+          </a:p>
+        </p:txBody>
+      </p:sp>
+      <p:pic>
+        <p:nvPicPr>
+          <p:cNvPr id="6" name="Image 1" descr="preencoded.png"/>
+          <p:cNvPicPr>
+            <a:picLocks noChangeAspect="1"/>
+          </p:cNvPicPr>
+          <p:nvPr/>
+        </p:nvPicPr>
+        <p:blipFill>
+          <a:blip r:embed="rId4"/>
+          <a:stretch>
+            <a:fillRect/>
+          </a:stretch>
+        </p:blipFill>
+        <p:spPr>
+          <a:xfrm>
+            <a:off x="4139446" y="2477333"/>
+            <a:ext cx="3005614" cy="1857494"/>
+          </a:xfrm>
+          <a:prstGeom prst="rect">
+            <a:avLst/>
+          </a:prstGeom>
+        </p:spPr>
+      </p:pic>
+      <p:sp>
+        <p:nvSpPr>
+          <p:cNvPr id="7" name="Text 3"/>
+          <p:cNvSpPr/>
+          <p:nvPr/>
+        </p:nvSpPr>
+        <p:spPr>
+          <a:xfrm>
+            <a:off x="4139446" y="4618315"/>
+            <a:ext cx="2986207" cy="354330"/>
+          </a:xfrm>
+          <a:prstGeom prst="rect">
+            <a:avLst/>
+          </a:prstGeom>
+          <a:noFill/>
+          <a:ln/>
+        </p:spPr>
+        <p:txBody>
+          <a:bodyPr wrap="none" lIns="0" tIns="0" rIns="0" bIns="0" rtlCol="0" anchor="t"/>
+          <a:lstStyle/>
+          <a:p>
+            <a:pPr marL="0" indent="0" algn="l">
+              <a:lnSpc>
+                <a:spcPts val="2750"/>
+              </a:lnSpc>
+              <a:buNone/>
+            </a:pPr>
+            <a:r>
+              <a:rPr lang="en-US" sz="2200" dirty="0">
+                <a:solidFill>
+                  <a:srgbClr val="5E208E"/>
+                </a:solidFill>
+                <a:latin typeface="Instrument Sans Medium" pitchFamily="34" charset="0"/>
+                <a:ea typeface="Instrument Sans Medium" pitchFamily="34" charset="-122"/>
+                <a:cs typeface="Instrument Sans Medium" pitchFamily="34" charset="-120"/>
+              </a:rPr>
+              <a:t>Backend Development</a:t>
+            </a:r>
+            <a:endParaRPr lang="en-US" sz="2200" dirty="0"/>
+          </a:p>
+        </p:txBody>
+      </p:sp>
+      <p:sp>
+        <p:nvSpPr>
+          <p:cNvPr id="8" name="Text 4"/>
+          <p:cNvSpPr/>
+          <p:nvPr/>
+        </p:nvSpPr>
+        <p:spPr>
+          <a:xfrm>
+            <a:off x="4139446" y="5108734"/>
+            <a:ext cx="3005614" cy="1088708"/>
+          </a:xfrm>
+          <a:prstGeom prst="rect">
+            <a:avLst/>
+          </a:prstGeom>
+          <a:noFill/>
+          <a:ln/>
+        </p:spPr>
+        <p:txBody>
+          <a:bodyPr wrap="square" lIns="0" tIns="0" rIns="0" bIns="0" rtlCol="0" anchor="t"/>
+          <a:lstStyle/>
+          <a:p>
+            <a:pPr marL="0" indent="0" algn="l">
+              <a:lnSpc>
+                <a:spcPts val="2850"/>
+              </a:lnSpc>
+              <a:buNone/>
+            </a:pPr>
+            <a:r>
+              <a:rPr lang="en-US" sz="1750" dirty="0">
+                <a:solidFill>
+                  <a:srgbClr val="B05EF1"/>
+                </a:solidFill>
+                <a:latin typeface="Inter" pitchFamily="34" charset="0"/>
+                <a:ea typeface="Inter" pitchFamily="34" charset="-122"/>
+                <a:cs typeface="Inter" pitchFamily="34" charset="-120"/>
+              </a:rPr>
+              <a:t>Leveraging Java Spring Framework for robust backend functionality.</a:t>
+            </a:r>
+            <a:endParaRPr lang="en-US" sz="1750" dirty="0"/>
+          </a:p>
+        </p:txBody>
+      </p:sp>
+      <p:pic>
+        <p:nvPicPr>
+          <p:cNvPr id="9" name="Image 2" descr="preencoded.png"/>
+          <p:cNvPicPr>
+            <a:picLocks noChangeAspect="1"/>
+          </p:cNvPicPr>
+          <p:nvPr/>
+        </p:nvPicPr>
+        <p:blipFill>
+          <a:blip r:embed="rId5"/>
+          <a:stretch>
+            <a:fillRect/>
+          </a:stretch>
+        </p:blipFill>
+        <p:spPr>
+          <a:xfrm>
+            <a:off x="7485221" y="2477333"/>
+            <a:ext cx="3005614" cy="1857494"/>
+          </a:xfrm>
+          <a:prstGeom prst="rect">
+            <a:avLst/>
+          </a:prstGeom>
+        </p:spPr>
+      </p:pic>
+      <p:sp>
+        <p:nvSpPr>
+          <p:cNvPr id="10" name="Text 5"/>
+          <p:cNvSpPr/>
+          <p:nvPr/>
+        </p:nvSpPr>
+        <p:spPr>
+          <a:xfrm>
+            <a:off x="7485221" y="4618315"/>
+            <a:ext cx="3005614" cy="708660"/>
+          </a:xfrm>
+          <a:prstGeom prst="rect">
+            <a:avLst/>
+          </a:prstGeom>
+          <a:noFill/>
+          <a:ln/>
+        </p:spPr>
+        <p:txBody>
+          <a:bodyPr wrap="square" lIns="0" tIns="0" rIns="0" bIns="0" rtlCol="0" anchor="t"/>
+          <a:lstStyle/>
+          <a:p>
+            <a:pPr marL="0" indent="0" algn="l">
+              <a:lnSpc>
+                <a:spcPts val="2750"/>
+              </a:lnSpc>
+              <a:buNone/>
+            </a:pPr>
+            <a:r>
+              <a:rPr lang="en-US" sz="2200" dirty="0">
+                <a:solidFill>
+                  <a:srgbClr val="5E208E"/>
+                </a:solidFill>
+                <a:latin typeface="Instrument Sans Medium" pitchFamily="34" charset="0"/>
+                <a:ea typeface="Instrument Sans Medium" pitchFamily="34" charset="-122"/>
+                <a:cs typeface="Instrument Sans Medium" pitchFamily="34" charset="-120"/>
+              </a:rPr>
+              <a:t>Database Management</a:t>
+            </a:r>
+            <a:endParaRPr lang="en-US" sz="2200" dirty="0"/>
+          </a:p>
+        </p:txBody>
+      </p:sp>
+      <p:sp>
+        <p:nvSpPr>
+          <p:cNvPr id="11" name="Text 6"/>
+          <p:cNvSpPr/>
+          <p:nvPr/>
+        </p:nvSpPr>
+        <p:spPr>
+          <a:xfrm>
+            <a:off x="7485221" y="5463064"/>
+            <a:ext cx="3005614" cy="1451610"/>
+          </a:xfrm>
+          <a:prstGeom prst="rect">
+            <a:avLst/>
+          </a:prstGeom>
+          <a:noFill/>
+          <a:ln/>
+        </p:spPr>
+        <p:txBody>
+          <a:bodyPr wrap="square" lIns="0" tIns="0" rIns="0" bIns="0" rtlCol="0" anchor="t"/>
+          <a:lstStyle/>
+          <a:p>
+            <a:pPr marL="0" indent="0" algn="l">
+              <a:lnSpc>
+                <a:spcPts val="2850"/>
+              </a:lnSpc>
+              <a:buNone/>
+            </a:pPr>
+            <a:r>
+              <a:rPr lang="en-US" sz="1750" dirty="0">
+                <a:solidFill>
+                  <a:srgbClr val="B05EF1"/>
+                </a:solidFill>
+                <a:latin typeface="Inter" pitchFamily="34" charset="0"/>
+                <a:ea typeface="Inter" pitchFamily="34" charset="-122"/>
+                <a:cs typeface="Inter" pitchFamily="34" charset="-120"/>
+              </a:rPr>
+              <a:t>Employing MySQL or PostgreSQL to store and manage student data securely.</a:t>
+            </a:r>
+            <a:endParaRPr lang="en-US" sz="1750" dirty="0"/>
+          </a:p>
+        </p:txBody>
+      </p:sp>
+      <p:pic>
+        <p:nvPicPr>
+          <p:cNvPr id="12" name="Image 3" descr="preencoded.png"/>
+          <p:cNvPicPr>
+            <a:picLocks noChangeAspect="1"/>
+          </p:cNvPicPr>
+          <p:nvPr/>
+        </p:nvPicPr>
+        <p:blipFill>
+          <a:blip r:embed="rId6"/>
+          <a:stretch>
+            <a:fillRect/>
+          </a:stretch>
+        </p:blipFill>
+        <p:spPr>
+          <a:xfrm>
+            <a:off x="10830997" y="2477333"/>
+            <a:ext cx="3005614" cy="1857494"/>
+          </a:xfrm>
+          <a:prstGeom prst="rect">
+            <a:avLst/>
+          </a:prstGeom>
+        </p:spPr>
+      </p:pic>
+      <p:sp>
+        <p:nvSpPr>
+          <p:cNvPr id="13" name="Text 7"/>
+          <p:cNvSpPr/>
+          <p:nvPr/>
+        </p:nvSpPr>
+        <p:spPr>
+          <a:xfrm>
+            <a:off x="10830997" y="4618315"/>
+            <a:ext cx="2835235" cy="354330"/>
+          </a:xfrm>
+          <a:prstGeom prst="rect">
+            <a:avLst/>
+          </a:prstGeom>
+          <a:noFill/>
+          <a:ln/>
+        </p:spPr>
+        <p:txBody>
+          <a:bodyPr wrap="none" lIns="0" tIns="0" rIns="0" bIns="0" rtlCol="0" anchor="t"/>
+          <a:lstStyle/>
+          <a:p>
+            <a:pPr marL="0" indent="0" algn="l">
+              <a:lnSpc>
+                <a:spcPts val="2750"/>
+              </a:lnSpc>
+              <a:buNone/>
+            </a:pPr>
+            <a:r>
+              <a:rPr lang="en-US" sz="2200" dirty="0">
+                <a:solidFill>
+                  <a:srgbClr val="5E208E"/>
+                </a:solidFill>
+                <a:latin typeface="Instrument Sans Medium" pitchFamily="34" charset="0"/>
+                <a:ea typeface="Instrument Sans Medium" pitchFamily="34" charset="-122"/>
+                <a:cs typeface="Instrument Sans Medium" pitchFamily="34" charset="-120"/>
+              </a:rPr>
+              <a:t>Authentication</a:t>
+            </a:r>
+            <a:endParaRPr lang="en-US" sz="2200" dirty="0"/>
+          </a:p>
+        </p:txBody>
+      </p:sp>
+      <p:sp>
+        <p:nvSpPr>
+          <p:cNvPr id="14" name="Text 8"/>
+          <p:cNvSpPr/>
+          <p:nvPr/>
+        </p:nvSpPr>
+        <p:spPr>
+          <a:xfrm>
+            <a:off x="10830997" y="5108734"/>
+            <a:ext cx="3005614" cy="1451610"/>
+          </a:xfrm>
+          <a:prstGeom prst="rect">
+            <a:avLst/>
+          </a:prstGeom>
+          <a:noFill/>
+          <a:ln/>
+        </p:spPr>
+        <p:txBody>
+          <a:bodyPr wrap="square" lIns="0" tIns="0" rIns="0" bIns="0" rtlCol="0" anchor="t"/>
+          <a:lstStyle/>
+          <a:p>
+            <a:pPr marL="0" indent="0" algn="l">
+              <a:lnSpc>
+                <a:spcPts val="2850"/>
+              </a:lnSpc>
+              <a:buNone/>
+            </a:pPr>
+            <a:r>
+              <a:rPr lang="en-US" sz="1750" dirty="0">
+                <a:solidFill>
+                  <a:srgbClr val="B05EF1"/>
+                </a:solidFill>
+                <a:latin typeface="Inter" pitchFamily="34" charset="0"/>
+                <a:ea typeface="Inter" pitchFamily="34" charset="-122"/>
+                <a:cs typeface="Inter" pitchFamily="34" charset="-120"/>
+              </a:rPr>
+              <a:t>Implementing Spring Security with OAuth integration for secure user authentication.</a:t>
+            </a:r>
+            <a:endParaRPr lang="en-US" sz="1750" dirty="0"/>
+          </a:p>
+        </p:txBody>
+      </p:sp>
+      <p:sp>
+        <p:nvSpPr>
+          <p:cNvPr id="15" name="Rectangle 14">
+            <a:extLst>
+              <a:ext uri="{FF2B5EF4-FFF2-40B4-BE49-F238E27FC236}">
+                <a16:creationId xmlns:a16="http://schemas.microsoft.com/office/drawing/2014/main" id="{9AEDBCDB-B0AF-551F-34A8-EB9BA70CFE03}"/>
+              </a:ext>
+            </a:extLst>
+          </p:cNvPr>
+          <p:cNvSpPr/>
+          <p:nvPr/>
+        </p:nvSpPr>
+        <p:spPr>
+          <a:xfrm>
+            <a:off x="12684868" y="7538936"/>
+            <a:ext cx="1945532" cy="690664"/>
+          </a:xfrm>
+          <a:prstGeom prst="rect">
+            <a:avLst/>
+          </a:prstGeom>
+          <a:solidFill>
+            <a:schemeClr val="bg1"/>
+          </a:solidFill>
+          <a:ln>
+            <a:solidFill>
+              <a:schemeClr val="bg1"/>
+            </a:solidFill>
+          </a:ln>
+        </p:spPr>
+        <p:style>
+          <a:lnRef idx="2">
+            <a:schemeClr val="accent1">
+              <a:shade val="15000"/>
+            </a:schemeClr>
+          </a:lnRef>
+          <a:fillRef idx="1">
+            <a:schemeClr val="accent1"/>
+          </a:fillRef>
+          <a:effectRef idx="0">
+            <a:schemeClr val="accent1"/>
+          </a:effectRef>
+          <a:fontRef idx="minor">
+            <a:schemeClr val="lt1"/>
+          </a:fontRef>
+        </p:style>
+        <p:txBody>
+          <a:bodyPr rtlCol="0" anchor="ctr"/>
+          <a:lstStyle/>
+          <a:p>
+            <a:pPr algn="ctr"/>
+            <a:endParaRPr lang="en-US"/>
+          </a:p>
+        </p:txBody>
+      </p:sp>
+    </p:spTree>
+  </p:cSld>
+  <p:clrMapOvr>
+    <a:masterClrMapping/>
+  </p:clrMapOvr>
+</p:sld>
+</file>
+
+<file path=ppt/slides/slide8.xml><?xml version="1.0" encoding="utf-8"?>
+<p:sld xmlns:a="http://schemas.openxmlformats.org/drawingml/2006/main" xmlns:r="http://schemas.openxmlformats.org/officeDocument/2006/relationships" xmlns:p="http://schemas.openxmlformats.org/presentationml/2006/main">
+  <p:cSld name="Slide 8">
+    <p:spTree>
+      <p:nvGrpSpPr>
+        <p:cNvPr id="1" name=""/>
+        <p:cNvGrpSpPr/>
+        <p:nvPr/>
+      </p:nvGrpSpPr>
+      <p:grpSpPr>
+        <a:xfrm>
+          <a:off x="0" y="0"/>
+          <a:ext cx="0" cy="0"/>
+          <a:chOff x="0" y="0"/>
+          <a:chExt cx="0" cy="0"/>
+        </a:xfrm>
+      </p:grpSpPr>
+      <p:sp>
+        <p:nvSpPr>
+          <p:cNvPr id="2" name="Text 0"/>
+          <p:cNvSpPr/>
+          <p:nvPr/>
+        </p:nvSpPr>
+        <p:spPr>
+          <a:xfrm>
+            <a:off x="793790" y="1492091"/>
+            <a:ext cx="8904446" cy="708779"/>
+          </a:xfrm>
+          <a:prstGeom prst="rect">
+            <a:avLst/>
+          </a:prstGeom>
+          <a:noFill/>
+          <a:ln/>
+        </p:spPr>
+        <p:txBody>
+          <a:bodyPr wrap="none" lIns="0" tIns="0" rIns="0" bIns="0" rtlCol="0" anchor="t"/>
+          <a:lstStyle/>
+          <a:p>
+            <a:pPr marL="0" indent="0">
+              <a:lnSpc>
+                <a:spcPts val="5550"/>
+              </a:lnSpc>
+              <a:buNone/>
+            </a:pPr>
+            <a:r>
+              <a:rPr lang="en-US" sz="4450" dirty="0">
+                <a:solidFill>
+                  <a:srgbClr val="5E208E"/>
+                </a:solidFill>
+                <a:latin typeface="Instrument Sans Medium" pitchFamily="34" charset="0"/>
+                <a:ea typeface="Instrument Sans Medium" pitchFamily="34" charset="-122"/>
+                <a:cs typeface="Instrument Sans Medium" pitchFamily="34" charset="-120"/>
+              </a:rPr>
+              <a:t>Development Tools and Platforms</a:t>
+            </a:r>
+            <a:endParaRPr lang="en-US" sz="4450" dirty="0"/>
+          </a:p>
+        </p:txBody>
+      </p:sp>
+      <p:pic>
+        <p:nvPicPr>
+          <p:cNvPr id="3" name="Image 0" descr="preencoded.png"/>
+          <p:cNvPicPr>
+            <a:picLocks noChangeAspect="1"/>
+          </p:cNvPicPr>
+          <p:nvPr/>
+        </p:nvPicPr>
+        <p:blipFill>
+          <a:blip r:embed="rId3"/>
+          <a:stretch>
+            <a:fillRect/>
+          </a:stretch>
+        </p:blipFill>
+        <p:spPr>
+          <a:xfrm>
+            <a:off x="793790" y="2654498"/>
+            <a:ext cx="3005495" cy="1857494"/>
+          </a:xfrm>
+          <a:prstGeom prst="rect">
+            <a:avLst/>
+          </a:prstGeom>
+        </p:spPr>
+      </p:pic>
+      <p:sp>
+        <p:nvSpPr>
+          <p:cNvPr id="4" name="Text 1"/>
+          <p:cNvSpPr/>
+          <p:nvPr/>
+        </p:nvSpPr>
+        <p:spPr>
+          <a:xfrm>
+            <a:off x="793790" y="4795480"/>
+            <a:ext cx="2835235" cy="354330"/>
+          </a:xfrm>
+          <a:prstGeom prst="rect">
+            <a:avLst/>
+          </a:prstGeom>
+          <a:noFill/>
+          <a:ln/>
+        </p:spPr>
+        <p:txBody>
+          <a:bodyPr wrap="none" lIns="0" tIns="0" rIns="0" bIns="0" rtlCol="0" anchor="t"/>
+          <a:lstStyle/>
+          <a:p>
+            <a:pPr marL="0" indent="0" algn="l">
+              <a:lnSpc>
+                <a:spcPts val="2750"/>
+              </a:lnSpc>
+              <a:buNone/>
+            </a:pPr>
+            <a:r>
+              <a:rPr lang="en-US" sz="2200" dirty="0">
+                <a:solidFill>
+                  <a:srgbClr val="5E208E"/>
+                </a:solidFill>
+                <a:latin typeface="Instrument Sans Medium" pitchFamily="34" charset="0"/>
+                <a:ea typeface="Instrument Sans Medium" pitchFamily="34" charset="-122"/>
+                <a:cs typeface="Instrument Sans Medium" pitchFamily="34" charset="-120"/>
+              </a:rPr>
+              <a:t>GitHub</a:t>
+            </a:r>
+            <a:endParaRPr lang="en-US" sz="2200" dirty="0"/>
+          </a:p>
+        </p:txBody>
+      </p:sp>
+      <p:sp>
+        <p:nvSpPr>
+          <p:cNvPr id="5" name="Text 2"/>
+          <p:cNvSpPr/>
+          <p:nvPr/>
+        </p:nvSpPr>
+        <p:spPr>
+          <a:xfrm>
+            <a:off x="793790" y="5285899"/>
+            <a:ext cx="3005495" cy="1088708"/>
+          </a:xfrm>
+          <a:prstGeom prst="rect">
+            <a:avLst/>
+          </a:prstGeom>
+          <a:noFill/>
+          <a:ln/>
+        </p:spPr>
+        <p:txBody>
+          <a:bodyPr wrap="square" lIns="0" tIns="0" rIns="0" bIns="0" rtlCol="0" anchor="t"/>
+          <a:lstStyle/>
+          <a:p>
+            <a:pPr marL="0" indent="0" algn="l">
+              <a:lnSpc>
+                <a:spcPts val="2850"/>
+              </a:lnSpc>
+              <a:buNone/>
+            </a:pPr>
+            <a:r>
+              <a:rPr lang="en-US" sz="1750" dirty="0">
+                <a:solidFill>
+                  <a:srgbClr val="B05EF1"/>
+                </a:solidFill>
+                <a:latin typeface="Inter" pitchFamily="34" charset="0"/>
+                <a:ea typeface="Inter" pitchFamily="34" charset="-122"/>
+                <a:cs typeface="Inter" pitchFamily="34" charset="-120"/>
+              </a:rPr>
+              <a:t>For version control, code collaboration, and project management.</a:t>
+            </a:r>
+            <a:endParaRPr lang="en-US" sz="1750" dirty="0"/>
+          </a:p>
+        </p:txBody>
+      </p:sp>
+      <p:pic>
+        <p:nvPicPr>
+          <p:cNvPr id="6" name="Image 1" descr="preencoded.png"/>
+          <p:cNvPicPr>
+            <a:picLocks noChangeAspect="1"/>
+          </p:cNvPicPr>
+          <p:nvPr/>
+        </p:nvPicPr>
+        <p:blipFill>
+          <a:blip r:embed="rId4"/>
+          <a:stretch>
+            <a:fillRect/>
+          </a:stretch>
+        </p:blipFill>
+        <p:spPr>
+          <a:xfrm>
+            <a:off x="4139446" y="2654498"/>
+            <a:ext cx="3005614" cy="1857494"/>
+          </a:xfrm>
+          <a:prstGeom prst="rect">
+            <a:avLst/>
+          </a:prstGeom>
+        </p:spPr>
+      </p:pic>
+      <p:sp>
+        <p:nvSpPr>
+          <p:cNvPr id="7" name="Text 3"/>
+          <p:cNvSpPr/>
+          <p:nvPr/>
+        </p:nvSpPr>
+        <p:spPr>
+          <a:xfrm>
+            <a:off x="4139446" y="4795480"/>
+            <a:ext cx="2835235" cy="354330"/>
+          </a:xfrm>
+          <a:prstGeom prst="rect">
+            <a:avLst/>
+          </a:prstGeom>
+          <a:noFill/>
+          <a:ln/>
+        </p:spPr>
+        <p:txBody>
+          <a:bodyPr wrap="none" lIns="0" tIns="0" rIns="0" bIns="0" rtlCol="0" anchor="t"/>
+          <a:lstStyle/>
+          <a:p>
+            <a:pPr marL="0" indent="0" algn="l">
+              <a:lnSpc>
+                <a:spcPts val="2750"/>
+              </a:lnSpc>
+              <a:buNone/>
+            </a:pPr>
+            <a:r>
+              <a:rPr lang="en-US" sz="2200" dirty="0">
+                <a:solidFill>
+                  <a:srgbClr val="5E208E"/>
+                </a:solidFill>
+                <a:latin typeface="Instrument Sans Medium" pitchFamily="34" charset="0"/>
+                <a:ea typeface="Instrument Sans Medium" pitchFamily="34" charset="-122"/>
+                <a:cs typeface="Instrument Sans Medium" pitchFamily="34" charset="-120"/>
+              </a:rPr>
+              <a:t>Trello</a:t>
+            </a:r>
+            <a:endParaRPr lang="en-US" sz="2200" dirty="0"/>
+          </a:p>
+        </p:txBody>
+      </p:sp>
+      <p:sp>
+        <p:nvSpPr>
+          <p:cNvPr id="8" name="Text 4"/>
+          <p:cNvSpPr/>
+          <p:nvPr/>
+        </p:nvSpPr>
+        <p:spPr>
+          <a:xfrm>
+            <a:off x="4139446" y="5285899"/>
+            <a:ext cx="3005614" cy="1088708"/>
+          </a:xfrm>
+          <a:prstGeom prst="rect">
+            <a:avLst/>
+          </a:prstGeom>
+          <a:noFill/>
+          <a:ln/>
+        </p:spPr>
+        <p:txBody>
+          <a:bodyPr wrap="square" lIns="0" tIns="0" rIns="0" bIns="0" rtlCol="0" anchor="t"/>
+          <a:lstStyle/>
+          <a:p>
+            <a:pPr marL="0" indent="0" algn="l">
+              <a:lnSpc>
+                <a:spcPts val="2850"/>
+              </a:lnSpc>
+              <a:buNone/>
+            </a:pPr>
+            <a:r>
+              <a:rPr lang="en-US" sz="1750" dirty="0">
+                <a:solidFill>
+                  <a:srgbClr val="B05EF1"/>
+                </a:solidFill>
+                <a:latin typeface="Inter" pitchFamily="34" charset="0"/>
+                <a:ea typeface="Inter" pitchFamily="34" charset="-122"/>
+                <a:cs typeface="Inter" pitchFamily="34" charset="-120"/>
+              </a:rPr>
+              <a:t>For task management, project organization, and team communication.</a:t>
+            </a:r>
+            <a:endParaRPr lang="en-US" sz="1750" dirty="0"/>
+          </a:p>
+        </p:txBody>
+      </p:sp>
+      <p:pic>
+        <p:nvPicPr>
+          <p:cNvPr id="9" name="Image 2" descr="preencoded.png"/>
+          <p:cNvPicPr>
+            <a:picLocks noChangeAspect="1"/>
+          </p:cNvPicPr>
+          <p:nvPr/>
+        </p:nvPicPr>
+        <p:blipFill>
+          <a:blip r:embed="rId5"/>
+          <a:stretch>
+            <a:fillRect/>
+          </a:stretch>
+        </p:blipFill>
+        <p:spPr>
+          <a:xfrm>
+            <a:off x="7485221" y="2654498"/>
+            <a:ext cx="3005614" cy="1857494"/>
+          </a:xfrm>
+          <a:prstGeom prst="rect">
+            <a:avLst/>
+          </a:prstGeom>
+        </p:spPr>
+      </p:pic>
+      <p:sp>
+        <p:nvSpPr>
+          <p:cNvPr id="10" name="Text 5"/>
+          <p:cNvSpPr/>
+          <p:nvPr/>
+        </p:nvSpPr>
+        <p:spPr>
+          <a:xfrm>
+            <a:off x="7485221" y="4795480"/>
+            <a:ext cx="2835235" cy="354330"/>
+          </a:xfrm>
+          <a:prstGeom prst="rect">
+            <a:avLst/>
+          </a:prstGeom>
+          <a:noFill/>
+          <a:ln/>
+        </p:spPr>
+        <p:txBody>
+          <a:bodyPr wrap="none" lIns="0" tIns="0" rIns="0" bIns="0" rtlCol="0" anchor="t"/>
+          <a:lstStyle/>
+          <a:p>
+            <a:pPr marL="0" indent="0" algn="l">
+              <a:lnSpc>
+                <a:spcPts val="2750"/>
+              </a:lnSpc>
+              <a:buNone/>
+            </a:pPr>
+            <a:r>
+              <a:rPr lang="en-US" sz="2200" dirty="0">
+                <a:solidFill>
+                  <a:srgbClr val="5E208E"/>
+                </a:solidFill>
+                <a:latin typeface="Instrument Sans Medium" pitchFamily="34" charset="0"/>
+                <a:ea typeface="Instrument Sans Medium" pitchFamily="34" charset="-122"/>
+                <a:cs typeface="Instrument Sans Medium" pitchFamily="34" charset="-120"/>
+              </a:rPr>
+              <a:t>Balsamiq</a:t>
+            </a:r>
+            <a:endParaRPr lang="en-US" sz="2200" dirty="0"/>
+          </a:p>
+        </p:txBody>
+      </p:sp>
+      <p:sp>
+        <p:nvSpPr>
+          <p:cNvPr id="11" name="Text 6"/>
+          <p:cNvSpPr/>
+          <p:nvPr/>
+        </p:nvSpPr>
+        <p:spPr>
+          <a:xfrm>
+            <a:off x="7485221" y="5285899"/>
+            <a:ext cx="3005614" cy="1088708"/>
+          </a:xfrm>
+          <a:prstGeom prst="rect">
+            <a:avLst/>
+          </a:prstGeom>
+          <a:noFill/>
+          <a:ln/>
+        </p:spPr>
+        <p:txBody>
+          <a:bodyPr wrap="square" lIns="0" tIns="0" rIns="0" bIns="0" rtlCol="0" anchor="t"/>
+          <a:lstStyle/>
+          <a:p>
+            <a:pPr marL="0" indent="0" algn="l">
+              <a:lnSpc>
+                <a:spcPts val="2850"/>
+              </a:lnSpc>
+              <a:buNone/>
+            </a:pPr>
+            <a:r>
+              <a:rPr lang="en-US" sz="1750" dirty="0">
+                <a:solidFill>
+                  <a:srgbClr val="B05EF1"/>
+                </a:solidFill>
+                <a:latin typeface="Inter" pitchFamily="34" charset="0"/>
+                <a:ea typeface="Inter" pitchFamily="34" charset="-122"/>
+                <a:cs typeface="Inter" pitchFamily="34" charset="-120"/>
+              </a:rPr>
+              <a:t>For rapid prototyping and wireframing user interfaces.</a:t>
+            </a:r>
+            <a:endParaRPr lang="en-US" sz="1750" dirty="0"/>
+          </a:p>
+        </p:txBody>
+      </p:sp>
+      <p:pic>
+        <p:nvPicPr>
+          <p:cNvPr id="12" name="Image 3" descr="preencoded.png"/>
+          <p:cNvPicPr>
+            <a:picLocks noChangeAspect="1"/>
+          </p:cNvPicPr>
+          <p:nvPr/>
+        </p:nvPicPr>
+        <p:blipFill>
+          <a:blip r:embed="rId6"/>
+          <a:stretch>
+            <a:fillRect/>
+          </a:stretch>
+        </p:blipFill>
+        <p:spPr>
+          <a:xfrm>
+            <a:off x="10830997" y="2654498"/>
+            <a:ext cx="3005614" cy="1857494"/>
+          </a:xfrm>
+          <a:prstGeom prst="rect">
+            <a:avLst/>
+          </a:prstGeom>
+        </p:spPr>
+      </p:pic>
+      <p:sp>
+        <p:nvSpPr>
+          <p:cNvPr id="13" name="Text 7"/>
+          <p:cNvSpPr/>
+          <p:nvPr/>
+        </p:nvSpPr>
+        <p:spPr>
+          <a:xfrm>
+            <a:off x="10830997" y="4795480"/>
+            <a:ext cx="2835235" cy="354330"/>
+          </a:xfrm>
+          <a:prstGeom prst="rect">
+            <a:avLst/>
+          </a:prstGeom>
+          <a:noFill/>
+          <a:ln/>
+        </p:spPr>
+        <p:txBody>
+          <a:bodyPr wrap="none" lIns="0" tIns="0" rIns="0" bIns="0" rtlCol="0" anchor="t"/>
+          <a:lstStyle/>
+          <a:p>
+            <a:pPr marL="0" indent="0" algn="l">
+              <a:lnSpc>
+                <a:spcPts val="2750"/>
+              </a:lnSpc>
+              <a:buNone/>
+            </a:pPr>
+            <a:r>
+              <a:rPr lang="en-US" sz="2200" dirty="0">
+                <a:solidFill>
+                  <a:srgbClr val="5E208E"/>
+                </a:solidFill>
+                <a:latin typeface="Instrument Sans Medium" pitchFamily="34" charset="0"/>
+                <a:ea typeface="Instrument Sans Medium" pitchFamily="34" charset="-122"/>
+                <a:cs typeface="Instrument Sans Medium" pitchFamily="34" charset="-120"/>
+              </a:rPr>
+              <a:t>AWS</a:t>
+            </a:r>
+            <a:endParaRPr lang="en-US" sz="2200" dirty="0"/>
+          </a:p>
+        </p:txBody>
+      </p:sp>
+      <p:sp>
+        <p:nvSpPr>
+          <p:cNvPr id="14" name="Text 8"/>
+          <p:cNvSpPr/>
+          <p:nvPr/>
+        </p:nvSpPr>
+        <p:spPr>
+          <a:xfrm>
+            <a:off x="10830997" y="5285899"/>
+            <a:ext cx="3005614" cy="1451610"/>
+          </a:xfrm>
+          <a:prstGeom prst="rect">
+            <a:avLst/>
+          </a:prstGeom>
+          <a:noFill/>
+          <a:ln/>
+        </p:spPr>
+        <p:txBody>
+          <a:bodyPr wrap="square" lIns="0" tIns="0" rIns="0" bIns="0" rtlCol="0" anchor="t"/>
+          <a:lstStyle/>
+          <a:p>
+            <a:pPr marL="0" indent="0" algn="l">
+              <a:lnSpc>
+                <a:spcPts val="2850"/>
+              </a:lnSpc>
+              <a:buNone/>
+            </a:pPr>
+            <a:r>
+              <a:rPr lang="en-US" sz="1750" dirty="0">
+                <a:solidFill>
+                  <a:srgbClr val="B05EF1"/>
+                </a:solidFill>
+                <a:latin typeface="Inter" pitchFamily="34" charset="0"/>
+                <a:ea typeface="Inter" pitchFamily="34" charset="-122"/>
+                <a:cs typeface="Inter" pitchFamily="34" charset="-120"/>
+              </a:rPr>
+              <a:t>For cloud-based infrastructure, serverless computing, and data storage.</a:t>
+            </a:r>
+            <a:endParaRPr lang="en-US" sz="1750" dirty="0"/>
+          </a:p>
+        </p:txBody>
+      </p:sp>
+      <p:sp>
+        <p:nvSpPr>
+          <p:cNvPr id="15" name="Rectangle 14">
+            <a:extLst>
+              <a:ext uri="{FF2B5EF4-FFF2-40B4-BE49-F238E27FC236}">
+                <a16:creationId xmlns:a16="http://schemas.microsoft.com/office/drawing/2014/main" id="{93E4BA75-40A7-B395-7812-B85C4FDC2328}"/>
+              </a:ext>
+            </a:extLst>
+          </p:cNvPr>
+          <p:cNvSpPr/>
+          <p:nvPr/>
+        </p:nvSpPr>
+        <p:spPr>
+          <a:xfrm>
+            <a:off x="12684868" y="7538936"/>
+            <a:ext cx="1945532" cy="690664"/>
+          </a:xfrm>
+          <a:prstGeom prst="rect">
+            <a:avLst/>
+          </a:prstGeom>
+          <a:solidFill>
+            <a:schemeClr val="bg1"/>
+          </a:solidFill>
+          <a:ln>
+            <a:solidFill>
+              <a:schemeClr val="bg1"/>
+            </a:solidFill>
+          </a:ln>
+        </p:spPr>
+        <p:style>
+          <a:lnRef idx="2">
+            <a:schemeClr val="accent1">
+              <a:shade val="15000"/>
+            </a:schemeClr>
+          </a:lnRef>
+          <a:fillRef idx="1">
+            <a:schemeClr val="accent1"/>
+          </a:fillRef>
+          <a:effectRef idx="0">
+            <a:schemeClr val="accent1"/>
+          </a:effectRef>
+          <a:fontRef idx="minor">
+            <a:schemeClr val="lt1"/>
+          </a:fontRef>
+        </p:style>
+        <p:txBody>
+          <a:bodyPr rtlCol="0" anchor="ctr"/>
+          <a:lstStyle/>
+          <a:p>
+            <a:pPr algn="ctr"/>
+            <a:endParaRPr lang="en-US"/>
+          </a:p>
+        </p:txBody>
+      </p:sp>
+    </p:spTree>
+  </p:cSld>
+  <p:clrMapOvr>
+    <a:masterClrMapping/>
+  </p:clrMapOvr>
+</p:sld>
+</file>
+
+<file path=ppt/slides/slide9.xml><?xml version="1.0" encoding="utf-8"?>
+<p:sld xmlns:a="http://schemas.openxmlformats.org/drawingml/2006/main" xmlns:r="http://schemas.openxmlformats.org/officeDocument/2006/relationships" xmlns:p="http://schemas.openxmlformats.org/presentationml/2006/main">
+  <p:cSld name="Slide 9">
+    <p:spTree>
+      <p:nvGrpSpPr>
+        <p:cNvPr id="1" name=""/>
+        <p:cNvGrpSpPr/>
+        <p:nvPr/>
+      </p:nvGrpSpPr>
+      <p:grpSpPr>
+        <a:xfrm>
+          <a:off x="0" y="0"/>
+          <a:ext cx="0" cy="0"/>
+          <a:chOff x="0" y="0"/>
+          <a:chExt cx="0" cy="0"/>
+        </a:xfrm>
+      </p:grpSpPr>
+      <p:pic>
+        <p:nvPicPr>
+          <p:cNvPr id="2" name="Image 0" descr="preencoded.png"/>
+          <p:cNvPicPr>
+            <a:picLocks noChangeAspect="1"/>
+          </p:cNvPicPr>
+          <p:nvPr/>
+        </p:nvPicPr>
+        <p:blipFill>
+          <a:blip r:embed="rId3"/>
+          <a:stretch>
+            <a:fillRect/>
+          </a:stretch>
+        </p:blipFill>
+        <p:spPr>
+          <a:xfrm>
+            <a:off x="9144000" y="0"/>
+            <a:ext cx="5486400" cy="8229600"/>
+          </a:xfrm>
+          <a:prstGeom prst="rect">
+            <a:avLst/>
+          </a:prstGeom>
+        </p:spPr>
+      </p:pic>
+      <p:sp>
+        <p:nvSpPr>
+          <p:cNvPr id="3" name="Text 0"/>
+          <p:cNvSpPr/>
+          <p:nvPr/>
+        </p:nvSpPr>
+        <p:spPr>
+          <a:xfrm>
+            <a:off x="793790" y="3045976"/>
+            <a:ext cx="5670590" cy="708779"/>
+          </a:xfrm>
+          <a:prstGeom prst="rect">
+            <a:avLst/>
+          </a:prstGeom>
+          <a:noFill/>
+          <a:ln/>
+        </p:spPr>
+        <p:txBody>
+          <a:bodyPr wrap="none" lIns="0" tIns="0" rIns="0" bIns="0" rtlCol="0" anchor="t"/>
+          <a:lstStyle/>
+          <a:p>
+            <a:pPr marL="0" indent="0">
+              <a:lnSpc>
+                <a:spcPts val="5550"/>
+              </a:lnSpc>
+              <a:buNone/>
+            </a:pPr>
+            <a:r>
+              <a:rPr lang="en-US" sz="4450" dirty="0">
+                <a:solidFill>
+                  <a:srgbClr val="5E208E"/>
+                </a:solidFill>
+                <a:latin typeface="Instrument Sans Medium" pitchFamily="34" charset="0"/>
+                <a:ea typeface="Instrument Sans Medium" pitchFamily="34" charset="-122"/>
+                <a:cs typeface="Instrument Sans Medium" pitchFamily="34" charset="-120"/>
+              </a:rPr>
+              <a:t>Conclusion</a:t>
+            </a:r>
+            <a:endParaRPr lang="en-US" sz="4450" dirty="0"/>
+          </a:p>
+        </p:txBody>
+      </p:sp>
+      <p:sp>
+        <p:nvSpPr>
+          <p:cNvPr id="4" name="Text 1"/>
+          <p:cNvSpPr/>
+          <p:nvPr/>
+        </p:nvSpPr>
+        <p:spPr>
+          <a:xfrm>
+            <a:off x="793790" y="4094917"/>
+            <a:ext cx="7556421" cy="1088708"/>
+          </a:xfrm>
+          <a:prstGeom prst="rect">
+            <a:avLst/>
+          </a:prstGeom>
+          <a:noFill/>
+          <a:ln/>
+        </p:spPr>
+        <p:txBody>
+          <a:bodyPr wrap="square" lIns="0" tIns="0" rIns="0" bIns="0" rtlCol="0" anchor="t"/>
+          <a:lstStyle/>
+          <a:p>
+            <a:pPr marL="0" indent="0">
+              <a:lnSpc>
+                <a:spcPts val="2850"/>
+              </a:lnSpc>
+              <a:buNone/>
+            </a:pPr>
+            <a:r>
+              <a:rPr lang="en-US" sz="1750" dirty="0">
+                <a:solidFill>
+                  <a:srgbClr val="B05EF1"/>
                 </a:solidFill>
                 <a:latin typeface="Inter" pitchFamily="34" charset="0"/>
                 <a:ea typeface="Inter" pitchFamily="34" charset="-122"/>
@@ -5464,39 +6253,39 @@
         <a:sysClr val="window" lastClr="FFFFFF"/>
       </a:lt1>
       <a:dk2>
-        <a:srgbClr val="0E2841"/>
+        <a:srgbClr val="44546A"/>
       </a:dk2>
       <a:lt2>
-        <a:srgbClr val="E8E8E8"/>
+        <a:srgbClr val="E7E6E6"/>
       </a:lt2>
       <a:accent1>
-        <a:srgbClr val="156082"/>
+        <a:srgbClr val="4472C4"/>
       </a:accent1>
       <a:accent2>
-        <a:srgbClr val="E97132"/>
+        <a:srgbClr val="ED7D31"/>
       </a:accent2>
       <a:accent3>
-        <a:srgbClr val="196B24"/>
+        <a:srgbClr val="A5A5A5"/>
       </a:accent3>
       <a:accent4>
-        <a:srgbClr val="0F9ED5"/>
+        <a:srgbClr val="FFC000"/>
       </a:accent4>
       <a:accent5>
-        <a:srgbClr val="A02B93"/>
+        <a:srgbClr val="5B9BD5"/>
       </a:accent5>
       <a:accent6>
-        <a:srgbClr val="4EA72E"/>
+        <a:srgbClr val="70AD47"/>
       </a:accent6>
       <a:hlink>
-        <a:srgbClr val="467886"/>
+        <a:srgbClr val="0563C1"/>
       </a:hlink>
       <a:folHlink>
-        <a:srgbClr val="96607D"/>
+        <a:srgbClr val="954F72"/>
       </a:folHlink>
     </a:clrScheme>
     <a:fontScheme name="Office">
       <a:majorFont>
-        <a:latin typeface="Aptos Display" panose="02110004020202020204"/>
+        <a:latin typeface="Calibri Light" panose="020F0302020204030204"/>
         <a:ea typeface=""/>
         <a:cs typeface=""/>
         <a:font script="Jpan" typeface="游ゴシック Light"/>
@@ -5548,7 +6337,7 @@
         <a:font script="Tfng" typeface="Ebrima"/>
       </a:majorFont>
       <a:minorFont>
-        <a:latin typeface="Aptos" panose="02110004020202020204"/>
+        <a:latin typeface="Calibri" panose="020F0502020204030204"/>
         <a:ea typeface=""/>
         <a:cs typeface=""/>
         <a:font script="Jpan" typeface="游ゴシック"/>
@@ -5659,6 +6448,13 @@
         </a:gradFill>
       </a:fillStyleLst>
       <a:lnStyleLst>
+        <a:ln w="6350" cap="flat" cmpd="sng" algn="ctr">
+          <a:solidFill>
+            <a:schemeClr val="phClr"/>
+          </a:solidFill>
+          <a:prstDash val="solid"/>
+          <a:miter lim="800000"/>
+        </a:ln>
         <a:ln w="12700" cap="flat" cmpd="sng" algn="ctr">
           <a:solidFill>
             <a:schemeClr val="phClr"/>
@@ -5667,13 +6463,6 @@
           <a:miter lim="800000"/>
         </a:ln>
         <a:ln w="19050" cap="flat" cmpd="sng" algn="ctr">
-          <a:solidFill>
-            <a:schemeClr val="phClr"/>
-          </a:solidFill>
-          <a:prstDash val="solid"/>
-          <a:miter lim="800000"/>
-        </a:ln>
-        <a:ln w="25400" cap="flat" cmpd="sng" algn="ctr">
           <a:solidFill>
             <a:schemeClr val="phClr"/>
           </a:solidFill>
@@ -5738,31 +6527,11 @@
       </a:bgFillStyleLst>
     </a:fmtScheme>
   </a:themeElements>
-  <a:objectDefaults>
-    <a:lnDef>
-      <a:spPr/>
-      <a:bodyPr/>
-      <a:lstStyle/>
-      <a:style>
-        <a:lnRef idx="2">
-          <a:schemeClr val="accent1"/>
-        </a:lnRef>
-        <a:fillRef idx="0">
-          <a:schemeClr val="accent1"/>
-        </a:fillRef>
-        <a:effectRef idx="1">
-          <a:schemeClr val="accent1"/>
-        </a:effectRef>
-        <a:fontRef idx="minor">
-          <a:schemeClr val="tx1"/>
-        </a:fontRef>
-      </a:style>
-    </a:lnDef>
-  </a:objectDefaults>
+  <a:objectDefaults/>
   <a:extraClrSchemeLst/>
   <a:extLst>
     <a:ext uri="{05A4C25C-085E-4340-85A3-A5531E510DB2}">
-      <thm15:themeFamily xmlns:thm15="http://schemas.microsoft.com/office/thememl/2012/main" name="Office Theme" id="{2E142A2C-CD16-42D6-873A-C26D2A0506FA}" vid="{1BDDFF52-6CD6-40A5-AB3C-68EB2F1E4D0A}"/>
+      <thm15:themeFamily xmlns:thm15="http://schemas.microsoft.com/office/thememl/2012/main" name="Office Theme" id="{62F939B6-93AF-4DB8-9C6B-D6C7DFDC589F}" vid="{4A3C46E8-61CC-4603-A589-7422A47A8E4A}"/>
     </a:ext>
   </a:extLst>
 </a:theme>
